--- a/TC/327 - Hãy Chiếu Giống Hải Đăng.pptx
+++ b/TC/327 - Hãy Chiếu Giống Hải Đăng.pptx
@@ -120,6 +120,22 @@
       </a:defRPr>
     </a:lvl9pPr>
   </p:defaultTextStyle>
+  <p:extLst>
+    <p:ext uri="{EFAFB233-063F-42B5-8137-9DF3F51BA10A}">
+      <p15:sldGuideLst xmlns:p15="http://schemas.microsoft.com/office/powerpoint/2012/main">
+        <p15:guide id="1" orient="horz" pos="2160">
+          <p15:clr>
+            <a:srgbClr val="A4A3A4"/>
+          </p15:clr>
+        </p15:guide>
+        <p15:guide id="2" pos="2880">
+          <p15:clr>
+            <a:srgbClr val="A4A3A4"/>
+          </p15:clr>
+        </p15:guide>
+      </p15:sldGuideLst>
+    </p:ext>
+  </p:extLst>
 </p:presentation>
 </file>
 
@@ -161,10 +177,9 @@
           <a:lstStyle/>
           <a:p>
             <a:r>
-              <a:rPr lang="en-US" smtClean="0"/>
+              <a:rPr lang="en-US"/>
               <a:t>Click to edit Master title style</a:t>
             </a:r>
-            <a:endParaRPr lang="en-US"/>
           </a:p>
         </p:txBody>
       </p:sp>
@@ -280,10 +295,9 @@
           </a:lstStyle>
           <a:p>
             <a:r>
-              <a:rPr lang="en-US" smtClean="0"/>
+              <a:rPr lang="en-US"/>
               <a:t>Click to edit Master subtitle style</a:t>
             </a:r>
-            <a:endParaRPr lang="en-US"/>
           </a:p>
         </p:txBody>
       </p:sp>
@@ -311,7 +325,7 @@
                 </a:solidFill>
               </a:rPr>
               <a:pPr/>
-              <a:t>15/09/2012</a:t>
+              <a:t>10/20/19</a:t>
             </a:fld>
             <a:endParaRPr lang="en-US">
               <a:solidFill>
@@ -445,10 +459,9 @@
           <a:lstStyle/>
           <a:p>
             <a:r>
-              <a:rPr lang="en-US" smtClean="0"/>
+              <a:rPr lang="en-US"/>
               <a:t>Click to edit Master title style</a:t>
             </a:r>
-            <a:endParaRPr lang="en-US"/>
           </a:p>
         </p:txBody>
       </p:sp>
@@ -479,38 +492,37 @@
           <a:p>
             <a:pPr lvl="0"/>
             <a:r>
-              <a:rPr lang="en-US" smtClean="0"/>
+              <a:rPr lang="en-US"/>
               <a:t>Click to edit Master text styles</a:t>
             </a:r>
           </a:p>
           <a:p>
             <a:pPr lvl="1"/>
             <a:r>
-              <a:rPr lang="en-US" smtClean="0"/>
+              <a:rPr lang="en-US"/>
               <a:t>Second level</a:t>
             </a:r>
           </a:p>
           <a:p>
             <a:pPr lvl="2"/>
             <a:r>
-              <a:rPr lang="en-US" smtClean="0"/>
+              <a:rPr lang="en-US"/>
               <a:t>Third level</a:t>
             </a:r>
           </a:p>
           <a:p>
             <a:pPr lvl="3"/>
             <a:r>
-              <a:rPr lang="en-US" smtClean="0"/>
+              <a:rPr lang="en-US"/>
               <a:t>Fourth level</a:t>
             </a:r>
           </a:p>
           <a:p>
             <a:pPr lvl="4"/>
             <a:r>
-              <a:rPr lang="en-US" smtClean="0"/>
+              <a:rPr lang="en-US"/>
               <a:t>Fifth level</a:t>
             </a:r>
-            <a:endParaRPr lang="en-US"/>
           </a:p>
         </p:txBody>
       </p:sp>
@@ -556,7 +568,7 @@
                 </a:solidFill>
               </a:rPr>
               <a:pPr/>
-              <a:t>15/09/2012</a:t>
+              <a:t>10/20/19</a:t>
             </a:fld>
             <a:endParaRPr lang="en-US">
               <a:solidFill>
@@ -1070,18 +1082,18 @@
           <a:p>
             <a:pPr algn="ctr"/>
             <a:r>
-              <a:rPr lang="en-US" sz="3500" b="1">
-                <a:solidFill>
-                  <a:prstClr val="black"/>
-                </a:solidFill>
-                <a:effectLst>
-                  <a:glow rad="101600">
-                    <a:prstClr val="white">
-                      <a:alpha val="60000"/>
-                    </a:prstClr>
-                  </a:glow>
-                </a:effectLst>
-                <a:latin typeface="VNI-Goudy" pitchFamily="2" charset="0"/>
+              <a:rPr lang="en-US" sz="3500" b="1" dirty="0">
+                <a:solidFill>
+                  <a:prstClr val="black"/>
+                </a:solidFill>
+                <a:effectLst>
+                  <a:glow rad="101600">
+                    <a:prstClr val="white">
+                      <a:alpha val="60000"/>
+                    </a:prstClr>
+                  </a:glow>
+                </a:effectLst>
+                <a:latin typeface="VNI-Times Normal" pitchFamily="2" charset="0"/>
               </a:rPr>
               <a:t>TOÂN VINH CHUÙA – THAÙNH CA 327</a:t>
             </a:r>
@@ -1126,7 +1138,7 @@
           <a:p>
             <a:pPr algn="ctr"/>
             <a:r>
-              <a:rPr lang="en-US" sz="7200" b="1" spc="50" smtClean="0">
+              <a:rPr lang="en-US" sz="7200" b="1" spc="50" dirty="0">
                 <a:ln w="11430"/>
                 <a:gradFill>
                   <a:gsLst>
@@ -1156,7 +1168,7 @@
               <a:t>HAÕY CHIEÁU </a:t>
             </a:r>
             <a:br>
-              <a:rPr lang="en-US" sz="7200" b="1" spc="50" smtClean="0">
+              <a:rPr lang="en-US" sz="7200" b="1" spc="50" dirty="0">
                 <a:ln w="11430"/>
                 <a:gradFill>
                   <a:gsLst>
@@ -1185,7 +1197,7 @@
               </a:rPr>
             </a:br>
             <a:r>
-              <a:rPr lang="en-US" sz="7200" b="1" spc="50" smtClean="0">
+              <a:rPr lang="en-US" sz="7200" b="1" spc="50" dirty="0">
                 <a:ln w="11430"/>
                 <a:gradFill>
                   <a:gsLst>
@@ -1239,13 +1251,6 @@
       </p:transition>
     </mc:Fallback>
   </mc:AlternateContent>
-  <p:timing>
-    <p:tnLst>
-      <p:par>
-        <p:cTn id="1" dur="indefinite" restart="never" nodeType="tmRoot"/>
-      </p:par>
-    </p:tnLst>
-  </p:timing>
 </p:sld>
 </file>
 
@@ -1290,7 +1295,7 @@
           <a:p>
             <a:pPr algn="ctr"/>
             <a:r>
-              <a:rPr lang="en-US" sz="4000" b="1" smtClean="0">
+              <a:rPr lang="en-US" sz="4000" b="1">
                 <a:solidFill>
                   <a:prstClr val="black"/>
                 </a:solidFill>
@@ -1319,42 +1324,10 @@
                 </a:effectLst>
                 <a:latin typeface="VNI-Aptima" pitchFamily="2" charset="0"/>
               </a:rPr>
-              <a:t>Ñeøn lu môø, </a:t>
-            </a:r>
-            <a:r>
-              <a:rPr lang="en-US" sz="6600" b="1">
-                <a:solidFill>
-                  <a:prstClr val="black"/>
-                </a:solidFill>
-                <a:effectLst>
-                  <a:glow rad="101600">
-                    <a:prstClr val="white">
-                      <a:alpha val="60000"/>
-                    </a:prstClr>
-                  </a:glow>
-                </a:effectLst>
-                <a:latin typeface="VNI-Aptima" pitchFamily="2" charset="0"/>
-              </a:rPr>
-              <a:t>kíp </a:t>
-            </a:r>
-            <a:r>
-              <a:rPr lang="en-US" sz="6600" b="1" smtClean="0">
-                <a:solidFill>
-                  <a:prstClr val="black"/>
-                </a:solidFill>
-                <a:effectLst>
-                  <a:glow rad="101600">
-                    <a:prstClr val="white">
-                      <a:alpha val="60000"/>
-                    </a:prstClr>
-                  </a:glow>
-                </a:effectLst>
-                <a:latin typeface="VNI-Aptima" pitchFamily="2" charset="0"/>
-              </a:rPr>
-              <a:t/>
+              <a:t>Ñeøn lu môø, kíp </a:t>
             </a:r>
             <a:br>
-              <a:rPr lang="en-US" sz="6600" b="1" smtClean="0">
+              <a:rPr lang="en-US" sz="6600" b="1">
                 <a:solidFill>
                   <a:prstClr val="black"/>
                 </a:solidFill>
@@ -1369,71 +1342,23 @@
               </a:rPr>
             </a:br>
             <a:r>
-              <a:rPr lang="en-US" sz="6600" b="1" smtClean="0">
-                <a:solidFill>
-                  <a:prstClr val="black"/>
-                </a:solidFill>
-                <a:effectLst>
-                  <a:glow rad="101600">
-                    <a:prstClr val="white">
-                      <a:alpha val="60000"/>
-                    </a:prstClr>
-                  </a:glow>
-                </a:effectLst>
-                <a:latin typeface="VNI-Aptima" pitchFamily="2" charset="0"/>
-              </a:rPr>
-              <a:t>kheâu </a:t>
-            </a:r>
-            <a:r>
-              <a:rPr lang="en-US" sz="6600" b="1">
-                <a:solidFill>
-                  <a:prstClr val="black"/>
-                </a:solidFill>
-                <a:effectLst>
-                  <a:glow rad="101600">
-                    <a:prstClr val="white">
-                      <a:alpha val="60000"/>
-                    </a:prstClr>
-                  </a:glow>
-                </a:effectLst>
-                <a:latin typeface="VNI-Aptima" pitchFamily="2" charset="0"/>
-              </a:rPr>
-              <a:t>cao, baïn naøo</a:t>
-            </a:r>
-            <a:r>
-              <a:rPr lang="en-US" sz="6600" b="1">
-                <a:solidFill>
-                  <a:prstClr val="black"/>
-                </a:solidFill>
-                <a:effectLst>
-                  <a:glow rad="101600">
-                    <a:prstClr val="white">
-                      <a:alpha val="60000"/>
-                    </a:prstClr>
-                  </a:glow>
-                </a:effectLst>
-                <a:latin typeface="VNI-Aptima" pitchFamily="2" charset="0"/>
-              </a:rPr>
-              <a:t>! </a:t>
-            </a:r>
-            <a:r>
-              <a:rPr lang="en-US" sz="6600" b="1" smtClean="0">
-                <a:solidFill>
-                  <a:prstClr val="black"/>
-                </a:solidFill>
-                <a:effectLst>
-                  <a:glow rad="101600">
-                    <a:prstClr val="white">
-                      <a:alpha val="60000"/>
-                    </a:prstClr>
-                  </a:glow>
-                </a:effectLst>
-                <a:latin typeface="VNI-Aptima" pitchFamily="2" charset="0"/>
-              </a:rPr>
-              <a:t/>
+              <a:rPr lang="en-US" sz="6600" b="1">
+                <a:solidFill>
+                  <a:prstClr val="black"/>
+                </a:solidFill>
+                <a:effectLst>
+                  <a:glow rad="101600">
+                    <a:prstClr val="white">
+                      <a:alpha val="60000"/>
+                    </a:prstClr>
+                  </a:glow>
+                </a:effectLst>
+                <a:latin typeface="VNI-Aptima" pitchFamily="2" charset="0"/>
+              </a:rPr>
+              <a:t>kheâu cao, baïn naøo! </a:t>
             </a:r>
             <a:br>
-              <a:rPr lang="en-US" sz="6600" b="1" smtClean="0">
+              <a:rPr lang="en-US" sz="6600" b="1">
                 <a:solidFill>
                   <a:prstClr val="black"/>
                 </a:solidFill>
@@ -1448,36 +1373,20 @@
               </a:rPr>
             </a:br>
             <a:r>
-              <a:rPr lang="en-US" sz="6600" b="1" smtClean="0">
-                <a:solidFill>
-                  <a:prstClr val="black"/>
-                </a:solidFill>
-                <a:effectLst>
-                  <a:glow rad="101600">
-                    <a:prstClr val="white">
-                      <a:alpha val="60000"/>
-                    </a:prstClr>
-                  </a:glow>
-                </a:effectLst>
-                <a:latin typeface="VNI-Aptima" pitchFamily="2" charset="0"/>
-              </a:rPr>
-              <a:t>Kìa </a:t>
-            </a:r>
-            <a:r>
-              <a:rPr lang="en-US" sz="6600" b="1">
-                <a:solidFill>
-                  <a:prstClr val="black"/>
-                </a:solidFill>
-                <a:effectLst>
-                  <a:glow rad="101600">
-                    <a:prstClr val="white">
-                      <a:alpha val="60000"/>
-                    </a:prstClr>
-                  </a:glow>
-                </a:effectLst>
-                <a:latin typeface="VNI-Aptima" pitchFamily="2" charset="0"/>
-              </a:rPr>
-              <a:t>ngoaøi bieån bao ngöôøi gaëp baõo.</a:t>
+              <a:rPr lang="en-US" sz="6600" b="1">
+                <a:solidFill>
+                  <a:prstClr val="black"/>
+                </a:solidFill>
+                <a:effectLst>
+                  <a:glow rad="101600">
+                    <a:prstClr val="white">
+                      <a:alpha val="60000"/>
+                    </a:prstClr>
+                  </a:glow>
+                </a:effectLst>
+                <a:latin typeface="VNI-Aptima" pitchFamily="2" charset="0"/>
+              </a:rPr>
+              <a:t>Kìa ngoaøi bieån bao ngöôøi gaëp baõo.</a:t>
             </a:r>
           </a:p>
         </p:txBody>
@@ -1540,25 +1449,18 @@
   <p:clrMapOvr>
     <a:masterClrMapping/>
   </p:clrMapOvr>
-  <mc:AlternateContent xmlns:mc="http://schemas.openxmlformats.org/markup-compatibility/2006">
-    <mc:Choice xmlns:p14="http://schemas.microsoft.com/office/powerpoint/2010/main" Requires="p14">
+  <mc:AlternateContent xmlns:mc="http://schemas.openxmlformats.org/markup-compatibility/2006" xmlns:p14="http://schemas.microsoft.com/office/powerpoint/2010/main">
+    <mc:Choice Requires="p14">
       <p:transition spd="med" p14:dur="700">
         <p:fade/>
       </p:transition>
     </mc:Choice>
-    <mc:Fallback>
+    <mc:Fallback xmlns="">
       <p:transition spd="med">
         <p:fade/>
       </p:transition>
     </mc:Fallback>
   </mc:AlternateContent>
-  <p:timing>
-    <p:tnLst>
-      <p:par>
-        <p:cTn id="1" dur="indefinite" restart="never" nodeType="tmRoot"/>
-      </p:par>
-    </p:tnLst>
-  </p:timing>
 </p:sld>
 </file>
 
@@ -1616,42 +1518,10 @@
                 </a:effectLst>
                 <a:latin typeface="VNI-Aptima" pitchFamily="2" charset="0"/>
               </a:rPr>
-              <a:t>Hoï troâng bôø, </a:t>
-            </a:r>
-            <a:r>
-              <a:rPr lang="en-US" sz="6600" b="1">
-                <a:solidFill>
-                  <a:prstClr val="black"/>
-                </a:solidFill>
-                <a:effectLst>
-                  <a:glow rad="101600">
-                    <a:prstClr val="white">
-                      <a:alpha val="60000"/>
-                    </a:prstClr>
-                  </a:glow>
-                </a:effectLst>
-                <a:latin typeface="VNI-Aptima" pitchFamily="2" charset="0"/>
-              </a:rPr>
-              <a:t>ñang </a:t>
-            </a:r>
-            <a:r>
-              <a:rPr lang="en-US" sz="6600" b="1" smtClean="0">
-                <a:solidFill>
-                  <a:prstClr val="black"/>
-                </a:solidFill>
-                <a:effectLst>
-                  <a:glow rad="101600">
-                    <a:prstClr val="white">
-                      <a:alpha val="60000"/>
-                    </a:prstClr>
-                  </a:glow>
-                </a:effectLst>
-                <a:latin typeface="VNI-Aptima" pitchFamily="2" charset="0"/>
-              </a:rPr>
-              <a:t/>
+              <a:t>Hoï troâng bôø, ñang </a:t>
             </a:r>
             <a:br>
-              <a:rPr lang="en-US" sz="6600" b="1" smtClean="0">
+              <a:rPr lang="en-US" sz="6600" b="1">
                 <a:solidFill>
                   <a:prstClr val="black"/>
                 </a:solidFill>
@@ -1666,71 +1536,23 @@
               </a:rPr>
             </a:br>
             <a:r>
-              <a:rPr lang="en-US" sz="6600" b="1" smtClean="0">
-                <a:solidFill>
-                  <a:prstClr val="black"/>
-                </a:solidFill>
-                <a:effectLst>
-                  <a:glow rad="101600">
-                    <a:prstClr val="white">
-                      <a:alpha val="60000"/>
-                    </a:prstClr>
-                  </a:glow>
-                </a:effectLst>
-                <a:latin typeface="VNI-Aptima" pitchFamily="2" charset="0"/>
-              </a:rPr>
-              <a:t>ra </a:t>
-            </a:r>
-            <a:r>
-              <a:rPr lang="en-US" sz="6600" b="1">
-                <a:solidFill>
-                  <a:prstClr val="black"/>
-                </a:solidFill>
-                <a:effectLst>
-                  <a:glow rad="101600">
-                    <a:prstClr val="white">
-                      <a:alpha val="60000"/>
-                    </a:prstClr>
-                  </a:glow>
-                </a:effectLst>
-                <a:latin typeface="VNI-Aptima" pitchFamily="2" charset="0"/>
-              </a:rPr>
-              <a:t>söùc choáng cheøo</a:t>
-            </a:r>
-            <a:r>
-              <a:rPr lang="en-US" sz="6600" b="1">
-                <a:solidFill>
-                  <a:prstClr val="black"/>
-                </a:solidFill>
-                <a:effectLst>
-                  <a:glow rad="101600">
-                    <a:prstClr val="white">
-                      <a:alpha val="60000"/>
-                    </a:prstClr>
-                  </a:glow>
-                </a:effectLst>
-                <a:latin typeface="VNI-Aptima" pitchFamily="2" charset="0"/>
-              </a:rPr>
-              <a:t>, </a:t>
-            </a:r>
-            <a:r>
-              <a:rPr lang="en-US" sz="6600" b="1" smtClean="0">
-                <a:solidFill>
-                  <a:prstClr val="black"/>
-                </a:solidFill>
-                <a:effectLst>
-                  <a:glow rad="101600">
-                    <a:prstClr val="white">
-                      <a:alpha val="60000"/>
-                    </a:prstClr>
-                  </a:glow>
-                </a:effectLst>
-                <a:latin typeface="VNI-Aptima" pitchFamily="2" charset="0"/>
-              </a:rPr>
-              <a:t/>
+              <a:rPr lang="en-US" sz="6600" b="1">
+                <a:solidFill>
+                  <a:prstClr val="black"/>
+                </a:solidFill>
+                <a:effectLst>
+                  <a:glow rad="101600">
+                    <a:prstClr val="white">
+                      <a:alpha val="60000"/>
+                    </a:prstClr>
+                  </a:glow>
+                </a:effectLst>
+                <a:latin typeface="VNI-Aptima" pitchFamily="2" charset="0"/>
+              </a:rPr>
+              <a:t>ra söùc choáng cheøo, </a:t>
             </a:r>
             <a:br>
-              <a:rPr lang="en-US" sz="6600" b="1" smtClean="0">
+              <a:rPr lang="en-US" sz="6600" b="1">
                 <a:solidFill>
                   <a:prstClr val="black"/>
                 </a:solidFill>
@@ -1745,55 +1567,23 @@
               </a:rPr>
             </a:br>
             <a:r>
-              <a:rPr lang="en-US" sz="6600" b="1" smtClean="0">
-                <a:solidFill>
-                  <a:prstClr val="black"/>
-                </a:solidFill>
-                <a:effectLst>
-                  <a:glow rad="101600">
-                    <a:prstClr val="white">
-                      <a:alpha val="60000"/>
-                    </a:prstClr>
-                  </a:glow>
-                </a:effectLst>
-                <a:latin typeface="VNI-Aptima" pitchFamily="2" charset="0"/>
-              </a:rPr>
-              <a:t>haèng </a:t>
-            </a:r>
-            <a:r>
-              <a:rPr lang="en-US" sz="6600" b="1">
-                <a:solidFill>
-                  <a:prstClr val="black"/>
-                </a:solidFill>
-                <a:effectLst>
-                  <a:glow rad="101600">
-                    <a:prstClr val="white">
-                      <a:alpha val="60000"/>
-                    </a:prstClr>
-                  </a:glow>
-                </a:effectLst>
-                <a:latin typeface="VNI-Aptima" pitchFamily="2" charset="0"/>
-              </a:rPr>
-              <a:t>thoaùt </a:t>
-            </a:r>
-            <a:r>
-              <a:rPr lang="en-US" sz="6600" b="1" smtClean="0">
-                <a:solidFill>
-                  <a:prstClr val="black"/>
-                </a:solidFill>
-                <a:effectLst>
-                  <a:glow rad="101600">
-                    <a:prstClr val="white">
-                      <a:alpha val="60000"/>
-                    </a:prstClr>
-                  </a:glow>
-                </a:effectLst>
-                <a:latin typeface="VNI-Aptima" pitchFamily="2" charset="0"/>
-              </a:rPr>
-              <a:t>soùng </a:t>
+              <a:rPr lang="en-US" sz="6600" b="1">
+                <a:solidFill>
+                  <a:prstClr val="black"/>
+                </a:solidFill>
+                <a:effectLst>
+                  <a:glow rad="101600">
+                    <a:prstClr val="white">
+                      <a:alpha val="60000"/>
+                    </a:prstClr>
+                  </a:glow>
+                </a:effectLst>
+                <a:latin typeface="VNI-Aptima" pitchFamily="2" charset="0"/>
+              </a:rPr>
+              <a:t>haèng thoaùt soùng </a:t>
             </a:r>
             <a:br>
-              <a:rPr lang="en-US" sz="6600" b="1" smtClean="0">
+              <a:rPr lang="en-US" sz="6600" b="1">
                 <a:solidFill>
                   <a:prstClr val="black"/>
                 </a:solidFill>
@@ -1808,66 +1598,21 @@
               </a:rPr>
             </a:br>
             <a:r>
-              <a:rPr lang="en-US" sz="6600" b="1" smtClean="0">
-                <a:solidFill>
-                  <a:prstClr val="black"/>
-                </a:solidFill>
-                <a:effectLst>
-                  <a:glow rad="101600">
-                    <a:prstClr val="white">
-                      <a:alpha val="60000"/>
-                    </a:prstClr>
-                  </a:glow>
-                </a:effectLst>
-                <a:latin typeface="VNI-Aptima" pitchFamily="2" charset="0"/>
-              </a:rPr>
-              <a:t>taêm toái röôït </a:t>
-            </a:r>
-            <a:r>
-              <a:rPr lang="en-US" sz="6600" b="1">
-                <a:solidFill>
-                  <a:prstClr val="black"/>
-                </a:solidFill>
-                <a:effectLst>
-                  <a:glow rad="101600">
-                    <a:prstClr val="white">
-                      <a:alpha val="60000"/>
-                    </a:prstClr>
-                  </a:glow>
-                </a:effectLst>
-                <a:latin typeface="VNI-Aptima" pitchFamily="2" charset="0"/>
-              </a:rPr>
-              <a:t>theo</a:t>
-            </a:r>
-            <a:r>
-              <a:rPr lang="en-US" sz="6600" b="1" smtClean="0">
-                <a:solidFill>
-                  <a:prstClr val="black"/>
-                </a:solidFill>
-                <a:effectLst>
-                  <a:glow rad="101600">
-                    <a:prstClr val="white">
-                      <a:alpha val="60000"/>
-                    </a:prstClr>
-                  </a:glow>
-                </a:effectLst>
-                <a:latin typeface="VNI-Aptima" pitchFamily="2" charset="0"/>
-              </a:rPr>
-              <a:t>. </a:t>
-            </a:r>
-            <a:endParaRPr lang="en-US" sz="6600" b="1">
-              <a:solidFill>
-                <a:prstClr val="black"/>
-              </a:solidFill>
-              <a:effectLst>
-                <a:glow rad="101600">
-                  <a:prstClr val="white">
-                    <a:alpha val="60000"/>
-                  </a:prstClr>
-                </a:glow>
-              </a:effectLst>
-              <a:latin typeface="VNI-Aptima" pitchFamily="2" charset="0"/>
-            </a:endParaRPr>
+              <a:rPr lang="en-US" sz="6600" b="1">
+                <a:solidFill>
+                  <a:prstClr val="black"/>
+                </a:solidFill>
+                <a:effectLst>
+                  <a:glow rad="101600">
+                    <a:prstClr val="white">
+                      <a:alpha val="60000"/>
+                    </a:prstClr>
+                  </a:glow>
+                </a:effectLst>
+                <a:latin typeface="VNI-Aptima" pitchFamily="2" charset="0"/>
+              </a:rPr>
+              <a:t>taêm toái röôït theo. </a:t>
+            </a:r>
           </a:p>
         </p:txBody>
       </p:sp>
@@ -1929,13 +1674,6 @@
   <p:clrMapOvr>
     <a:masterClrMapping/>
   </p:clrMapOvr>
-  <p:timing>
-    <p:tnLst>
-      <p:par>
-        <p:cTn id="1" dur="indefinite" restart="never" nodeType="tmRoot"/>
-      </p:par>
-    </p:tnLst>
-  </p:timing>
 </p:sld>
 </file>
 
@@ -2009,138 +1747,10 @@
                 </a:effectLst>
                 <a:latin typeface="VNI-Aptima" pitchFamily="2" charset="0"/>
               </a:rPr>
-              <a:t> Moïi ñôøi </a:t>
-            </a:r>
-            <a:r>
-              <a:rPr lang="en-US" sz="6600" b="1">
-                <a:solidFill>
-                  <a:prstClr val="black"/>
-                </a:solidFill>
-                <a:effectLst>
-                  <a:glow rad="101600">
-                    <a:prstClr val="white">
-                      <a:alpha val="60000"/>
-                    </a:prstClr>
-                  </a:glow>
-                </a:effectLst>
-                <a:latin typeface="VNI-Aptima" pitchFamily="2" charset="0"/>
-              </a:rPr>
-              <a:t>soáng </a:t>
-            </a:r>
-            <a:r>
-              <a:rPr lang="en-US" sz="6600" b="1" smtClean="0">
-                <a:solidFill>
-                  <a:prstClr val="black"/>
-                </a:solidFill>
-                <a:effectLst>
-                  <a:glow rad="101600">
-                    <a:prstClr val="white">
-                      <a:alpha val="60000"/>
-                    </a:prstClr>
-                  </a:glow>
-                </a:effectLst>
-                <a:latin typeface="VNI-Aptima" pitchFamily="2" charset="0"/>
-              </a:rPr>
-              <a:t>haõy </a:t>
-            </a:r>
-            <a:r>
-              <a:rPr lang="en-US" sz="6600" b="1">
-                <a:solidFill>
-                  <a:prstClr val="black"/>
-                </a:solidFill>
-                <a:effectLst>
-                  <a:glow rad="101600">
-                    <a:prstClr val="white">
-                      <a:alpha val="60000"/>
-                    </a:prstClr>
-                  </a:glow>
-                </a:effectLst>
-                <a:latin typeface="VNI-Aptima" pitchFamily="2" charset="0"/>
-              </a:rPr>
-              <a:t>chieáu </a:t>
-            </a:r>
-            <a:r>
-              <a:rPr lang="en-US" sz="6600" b="1">
-                <a:solidFill>
-                  <a:prstClr val="black"/>
-                </a:solidFill>
-                <a:effectLst>
-                  <a:glow rad="101600">
-                    <a:prstClr val="white">
-                      <a:alpha val="60000"/>
-                    </a:prstClr>
-                  </a:glow>
-                </a:effectLst>
-                <a:latin typeface="VNI-Aptima" pitchFamily="2" charset="0"/>
-              </a:rPr>
-              <a:t>gioáng </a:t>
-            </a:r>
-            <a:r>
-              <a:rPr lang="en-US" sz="6600" b="1" smtClean="0">
-                <a:solidFill>
-                  <a:prstClr val="black"/>
-                </a:solidFill>
-                <a:effectLst>
-                  <a:glow rad="101600">
-                    <a:prstClr val="white">
-                      <a:alpha val="60000"/>
-                    </a:prstClr>
-                  </a:glow>
-                </a:effectLst>
-                <a:latin typeface="VNI-Aptima" pitchFamily="2" charset="0"/>
-              </a:rPr>
-              <a:t>haûi </a:t>
-            </a:r>
-            <a:r>
-              <a:rPr lang="en-US" sz="6600" b="1">
-                <a:solidFill>
-                  <a:prstClr val="black"/>
-                </a:solidFill>
-                <a:effectLst>
-                  <a:glow rad="101600">
-                    <a:prstClr val="white">
-                      <a:alpha val="60000"/>
-                    </a:prstClr>
-                  </a:glow>
-                </a:effectLst>
-                <a:latin typeface="VNI-Aptima" pitchFamily="2" charset="0"/>
-              </a:rPr>
-              <a:t>ñaêng, chieáu saùng </a:t>
-            </a:r>
-            <a:r>
-              <a:rPr lang="en-US" sz="6600" b="1">
-                <a:solidFill>
-                  <a:prstClr val="black"/>
-                </a:solidFill>
-                <a:effectLst>
-                  <a:glow rad="101600">
-                    <a:prstClr val="white">
-                      <a:alpha val="60000"/>
-                    </a:prstClr>
-                  </a:glow>
-                </a:effectLst>
-                <a:latin typeface="VNI-Aptima" pitchFamily="2" charset="0"/>
-              </a:rPr>
-              <a:t>giöõa </a:t>
-            </a:r>
-            <a:r>
-              <a:rPr lang="en-US" sz="6600" b="1" smtClean="0">
-                <a:solidFill>
-                  <a:prstClr val="black"/>
-                </a:solidFill>
-                <a:effectLst>
-                  <a:glow rad="101600">
-                    <a:prstClr val="white">
-                      <a:alpha val="60000"/>
-                    </a:prstClr>
-                  </a:glow>
-                </a:effectLst>
-                <a:latin typeface="VNI-Aptima" pitchFamily="2" charset="0"/>
-              </a:rPr>
-              <a:t/>
+              <a:t> Moïi ñôøi soáng haõy chieáu gioáng haûi ñaêng, chieáu saùng giöõa </a:t>
             </a:r>
             <a:br>
-              <a:rPr lang="en-US" sz="6600" b="1" smtClean="0">
+              <a:rPr lang="en-US" sz="6600" b="1">
                 <a:solidFill>
                   <a:prstClr val="black"/>
                 </a:solidFill>
@@ -2155,36 +1765,20 @@
               </a:rPr>
             </a:br>
             <a:r>
-              <a:rPr lang="en-US" sz="6600" b="1" smtClean="0">
-                <a:solidFill>
-                  <a:prstClr val="black"/>
-                </a:solidFill>
-                <a:effectLst>
-                  <a:glow rad="101600">
-                    <a:prstClr val="white">
-                      <a:alpha val="60000"/>
-                    </a:prstClr>
-                  </a:glow>
-                </a:effectLst>
-                <a:latin typeface="VNI-Aptima" pitchFamily="2" charset="0"/>
-              </a:rPr>
-              <a:t>ba </a:t>
-            </a:r>
-            <a:r>
-              <a:rPr lang="en-US" sz="6600" b="1">
-                <a:solidFill>
-                  <a:prstClr val="black"/>
-                </a:solidFill>
-                <a:effectLst>
-                  <a:glow rad="101600">
-                    <a:prstClr val="white">
-                      <a:alpha val="60000"/>
-                    </a:prstClr>
-                  </a:glow>
-                </a:effectLst>
-                <a:latin typeface="VNI-Aptima" pitchFamily="2" charset="0"/>
-              </a:rPr>
-              <a:t>ñaøo hung haêng.</a:t>
+              <a:rPr lang="en-US" sz="6600" b="1">
+                <a:solidFill>
+                  <a:prstClr val="black"/>
+                </a:solidFill>
+                <a:effectLst>
+                  <a:glow rad="101600">
+                    <a:prstClr val="white">
+                      <a:alpha val="60000"/>
+                    </a:prstClr>
+                  </a:glow>
+                </a:effectLst>
+                <a:latin typeface="VNI-Aptima" pitchFamily="2" charset="0"/>
+              </a:rPr>
+              <a:t>ba ñaøo hung haêng.</a:t>
             </a:r>
           </a:p>
         </p:txBody>
@@ -2247,13 +1841,6 @@
   <p:clrMapOvr>
     <a:masterClrMapping/>
   </p:clrMapOvr>
-  <p:timing>
-    <p:tnLst>
-      <p:par>
-        <p:cTn id="1" dur="indefinite" restart="never" nodeType="tmRoot"/>
-      </p:par>
-    </p:tnLst>
-  </p:timing>
 </p:sld>
 </file>
 
@@ -2311,42 +1898,10 @@
                 </a:effectLst>
                 <a:latin typeface="VNI-Aptima" pitchFamily="2" charset="0"/>
               </a:rPr>
-              <a:t>Haàu roïi ñöôøng </a:t>
-            </a:r>
-            <a:r>
-              <a:rPr lang="en-US" sz="6600" b="1">
-                <a:solidFill>
-                  <a:prstClr val="black"/>
-                </a:solidFill>
-                <a:effectLst>
-                  <a:glow rad="101600">
-                    <a:prstClr val="white">
-                      <a:alpha val="60000"/>
-                    </a:prstClr>
-                  </a:glow>
-                </a:effectLst>
-                <a:latin typeface="VNI-Aptima" pitchFamily="2" charset="0"/>
-              </a:rPr>
-              <a:t>cho </a:t>
-            </a:r>
-            <a:r>
-              <a:rPr lang="en-US" sz="6600" b="1" smtClean="0">
-                <a:solidFill>
-                  <a:prstClr val="black"/>
-                </a:solidFill>
-                <a:effectLst>
-                  <a:glow rad="101600">
-                    <a:prstClr val="white">
-                      <a:alpha val="60000"/>
-                    </a:prstClr>
-                  </a:glow>
-                </a:effectLst>
-                <a:latin typeface="VNI-Aptima" pitchFamily="2" charset="0"/>
-              </a:rPr>
-              <a:t/>
+              <a:t>Haàu roïi ñöôøng cho </a:t>
             </a:r>
             <a:br>
-              <a:rPr lang="en-US" sz="6600" b="1" smtClean="0">
+              <a:rPr lang="en-US" sz="6600" b="1">
                 <a:solidFill>
                   <a:prstClr val="black"/>
                 </a:solidFill>
@@ -2361,71 +1916,23 @@
               </a:rPr>
             </a:br>
             <a:r>
-              <a:rPr lang="en-US" sz="6600" b="1" smtClean="0">
-                <a:solidFill>
-                  <a:prstClr val="black"/>
-                </a:solidFill>
-                <a:effectLst>
-                  <a:glow rad="101600">
-                    <a:prstClr val="white">
-                      <a:alpha val="60000"/>
-                    </a:prstClr>
-                  </a:glow>
-                </a:effectLst>
-                <a:latin typeface="VNI-Aptima" pitchFamily="2" charset="0"/>
-              </a:rPr>
-              <a:t>bao </a:t>
-            </a:r>
-            <a:r>
-              <a:rPr lang="en-US" sz="6600" b="1">
-                <a:solidFill>
-                  <a:prstClr val="black"/>
-                </a:solidFill>
-                <a:effectLst>
-                  <a:glow rad="101600">
-                    <a:prstClr val="white">
-                      <a:alpha val="60000"/>
-                    </a:prstClr>
-                  </a:glow>
-                </a:effectLst>
-                <a:latin typeface="VNI-Aptima" pitchFamily="2" charset="0"/>
-              </a:rPr>
-              <a:t>thuûy thuû kìa</a:t>
-            </a:r>
-            <a:r>
-              <a:rPr lang="en-US" sz="6600" b="1">
-                <a:solidFill>
-                  <a:prstClr val="black"/>
-                </a:solidFill>
-                <a:effectLst>
-                  <a:glow rad="101600">
-                    <a:prstClr val="white">
-                      <a:alpha val="60000"/>
-                    </a:prstClr>
-                  </a:glow>
-                </a:effectLst>
-                <a:latin typeface="VNI-Aptima" pitchFamily="2" charset="0"/>
-              </a:rPr>
-              <a:t>, </a:t>
-            </a:r>
-            <a:r>
-              <a:rPr lang="en-US" sz="6600" b="1" smtClean="0">
-                <a:solidFill>
-                  <a:prstClr val="black"/>
-                </a:solidFill>
-                <a:effectLst>
-                  <a:glow rad="101600">
-                    <a:prstClr val="white">
-                      <a:alpha val="60000"/>
-                    </a:prstClr>
-                  </a:glow>
-                </a:effectLst>
-                <a:latin typeface="VNI-Aptima" pitchFamily="2" charset="0"/>
-              </a:rPr>
-              <a:t/>
+              <a:rPr lang="en-US" sz="6600" b="1">
+                <a:solidFill>
+                  <a:prstClr val="black"/>
+                </a:solidFill>
+                <a:effectLst>
+                  <a:glow rad="101600">
+                    <a:prstClr val="white">
+                      <a:alpha val="60000"/>
+                    </a:prstClr>
+                  </a:glow>
+                </a:effectLst>
+                <a:latin typeface="VNI-Aptima" pitchFamily="2" charset="0"/>
+              </a:rPr>
+              <a:t>bao thuûy thuû kìa, </a:t>
             </a:r>
             <a:br>
-              <a:rPr lang="en-US" sz="6600" b="1" smtClean="0">
+              <a:rPr lang="en-US" sz="6600" b="1">
                 <a:solidFill>
                   <a:prstClr val="black"/>
                 </a:solidFill>
@@ -2440,71 +1947,23 @@
               </a:rPr>
             </a:br>
             <a:r>
-              <a:rPr lang="en-US" sz="6600" b="1" smtClean="0">
-                <a:solidFill>
-                  <a:prstClr val="black"/>
-                </a:solidFill>
-                <a:effectLst>
-                  <a:glow rad="101600">
-                    <a:prstClr val="white">
-                      <a:alpha val="60000"/>
-                    </a:prstClr>
-                  </a:glow>
-                </a:effectLst>
-                <a:latin typeface="VNI-Aptima" pitchFamily="2" charset="0"/>
-              </a:rPr>
-              <a:t>vöôït </a:t>
-            </a:r>
-            <a:r>
-              <a:rPr lang="en-US" sz="6600" b="1">
-                <a:solidFill>
-                  <a:prstClr val="black"/>
-                </a:solidFill>
-                <a:effectLst>
-                  <a:glow rad="101600">
-                    <a:prstClr val="white">
-                      <a:alpha val="60000"/>
-                    </a:prstClr>
-                  </a:glow>
-                </a:effectLst>
-                <a:latin typeface="VNI-Aptima" pitchFamily="2" charset="0"/>
-              </a:rPr>
-              <a:t>bao hieåm </a:t>
-            </a:r>
-            <a:r>
-              <a:rPr lang="en-US" sz="6600" b="1">
-                <a:solidFill>
-                  <a:prstClr val="black"/>
-                </a:solidFill>
-                <a:effectLst>
-                  <a:glow rad="101600">
-                    <a:prstClr val="white">
-                      <a:alpha val="60000"/>
-                    </a:prstClr>
-                  </a:glow>
-                </a:effectLst>
-                <a:latin typeface="VNI-Aptima" pitchFamily="2" charset="0"/>
-              </a:rPr>
-              <a:t>nguy </a:t>
-            </a:r>
-            <a:r>
-              <a:rPr lang="en-US" sz="6600" b="1" smtClean="0">
-                <a:solidFill>
-                  <a:prstClr val="black"/>
-                </a:solidFill>
-                <a:effectLst>
-                  <a:glow rad="101600">
-                    <a:prstClr val="white">
-                      <a:alpha val="60000"/>
-                    </a:prstClr>
-                  </a:glow>
-                </a:effectLst>
-                <a:latin typeface="VNI-Aptima" pitchFamily="2" charset="0"/>
-              </a:rPr>
-              <a:t/>
+              <a:rPr lang="en-US" sz="6600" b="1">
+                <a:solidFill>
+                  <a:prstClr val="black"/>
+                </a:solidFill>
+                <a:effectLst>
+                  <a:glow rad="101600">
+                    <a:prstClr val="white">
+                      <a:alpha val="60000"/>
+                    </a:prstClr>
+                  </a:glow>
+                </a:effectLst>
+                <a:latin typeface="VNI-Aptima" pitchFamily="2" charset="0"/>
+              </a:rPr>
+              <a:t>vöôït bao hieåm nguy </a:t>
             </a:r>
             <a:br>
-              <a:rPr lang="en-US" sz="6600" b="1" smtClean="0">
+              <a:rPr lang="en-US" sz="6600" b="1">
                 <a:solidFill>
                   <a:prstClr val="black"/>
                 </a:solidFill>
@@ -2519,36 +1978,20 @@
               </a:rPr>
             </a:br>
             <a:r>
-              <a:rPr lang="en-US" sz="6600" b="1" smtClean="0">
-                <a:solidFill>
-                  <a:prstClr val="black"/>
-                </a:solidFill>
-                <a:effectLst>
-                  <a:glow rad="101600">
-                    <a:prstClr val="white">
-                      <a:alpha val="60000"/>
-                    </a:prstClr>
-                  </a:glow>
-                </a:effectLst>
-                <a:latin typeface="VNI-Aptima" pitchFamily="2" charset="0"/>
-              </a:rPr>
-              <a:t>luùc </a:t>
-            </a:r>
-            <a:r>
-              <a:rPr lang="en-US" sz="6600" b="1">
-                <a:solidFill>
-                  <a:prstClr val="black"/>
-                </a:solidFill>
-                <a:effectLst>
-                  <a:glow rad="101600">
-                    <a:prstClr val="white">
-                      <a:alpha val="60000"/>
-                    </a:prstClr>
-                  </a:glow>
-                </a:effectLst>
-                <a:latin typeface="VNI-Aptima" pitchFamily="2" charset="0"/>
-              </a:rPr>
-              <a:t>trôøi khuya.</a:t>
+              <a:rPr lang="en-US" sz="6600" b="1">
+                <a:solidFill>
+                  <a:prstClr val="black"/>
+                </a:solidFill>
+                <a:effectLst>
+                  <a:glow rad="101600">
+                    <a:prstClr val="white">
+                      <a:alpha val="60000"/>
+                    </a:prstClr>
+                  </a:glow>
+                </a:effectLst>
+                <a:latin typeface="VNI-Aptima" pitchFamily="2" charset="0"/>
+              </a:rPr>
+              <a:t>luùc trôøi khuya.</a:t>
             </a:r>
           </a:p>
         </p:txBody>
@@ -2611,13 +2054,6 @@
   <p:clrMapOvr>
     <a:masterClrMapping/>
   </p:clrMapOvr>
-  <p:timing>
-    <p:tnLst>
-      <p:par>
-        <p:cTn id="1" dur="indefinite" restart="never" nodeType="tmRoot"/>
-      </p:par>
-    </p:tnLst>
-  </p:timing>
 </p:sld>
 </file>
 
@@ -2662,7 +2098,7 @@
           <a:p>
             <a:pPr algn="ctr"/>
             <a:r>
-              <a:rPr lang="en-US" sz="4000" b="1" smtClean="0">
+              <a:rPr lang="en-US" sz="4000" b="1">
                 <a:solidFill>
                   <a:prstClr val="black"/>
                 </a:solidFill>
@@ -2691,42 +2127,10 @@
                 </a:effectLst>
                 <a:latin typeface="VNI-Aptima" pitchFamily="2" charset="0"/>
               </a:rPr>
-              <a:t>Ñôøi baïn nhôø Ñaáng Hoa tieâu ñaïi quyeàn</a:t>
-            </a:r>
-            <a:r>
-              <a:rPr lang="en-US" sz="6600" b="1">
-                <a:solidFill>
-                  <a:prstClr val="black"/>
-                </a:solidFill>
-                <a:effectLst>
-                  <a:glow rad="101600">
-                    <a:prstClr val="white">
-                      <a:alpha val="60000"/>
-                    </a:prstClr>
-                  </a:glow>
-                </a:effectLst>
-                <a:latin typeface="VNI-Aptima" pitchFamily="2" charset="0"/>
-              </a:rPr>
-              <a:t>, </a:t>
-            </a:r>
-            <a:r>
-              <a:rPr lang="en-US" sz="6600" b="1" smtClean="0">
-                <a:solidFill>
-                  <a:prstClr val="black"/>
-                </a:solidFill>
-                <a:effectLst>
-                  <a:glow rad="101600">
-                    <a:prstClr val="white">
-                      <a:alpha val="60000"/>
-                    </a:prstClr>
-                  </a:glow>
-                </a:effectLst>
-                <a:latin typeface="VNI-Aptima" pitchFamily="2" charset="0"/>
-              </a:rPr>
-              <a:t/>
+              <a:t>Ñôøi baïn nhôø Ñaáng Hoa tieâu ñaïi quyeàn, </a:t>
             </a:r>
             <a:br>
-              <a:rPr lang="en-US" sz="6600" b="1" smtClean="0">
+              <a:rPr lang="en-US" sz="6600" b="1">
                 <a:solidFill>
                   <a:prstClr val="black"/>
                 </a:solidFill>
@@ -2741,36 +2145,20 @@
               </a:rPr>
             </a:br>
             <a:r>
-              <a:rPr lang="en-US" sz="6600" b="1" smtClean="0">
-                <a:solidFill>
-                  <a:prstClr val="black"/>
-                </a:solidFill>
-                <a:effectLst>
-                  <a:glow rad="101600">
-                    <a:prstClr val="white">
-                      <a:alpha val="60000"/>
-                    </a:prstClr>
-                  </a:glow>
-                </a:effectLst>
-                <a:latin typeface="VNI-Aptima" pitchFamily="2" charset="0"/>
-              </a:rPr>
-              <a:t>ñaõ </a:t>
-            </a:r>
-            <a:r>
-              <a:rPr lang="en-US" sz="6600" b="1">
-                <a:solidFill>
-                  <a:prstClr val="black"/>
-                </a:solidFill>
-                <a:effectLst>
-                  <a:glow rad="101600">
-                    <a:prstClr val="white">
-                      <a:alpha val="60000"/>
-                    </a:prstClr>
-                  </a:glow>
-                </a:effectLst>
-                <a:latin typeface="VNI-Aptima" pitchFamily="2" charset="0"/>
-              </a:rPr>
-              <a:t>toaøn thaéng ba ñaøo, nguy bieán.</a:t>
+              <a:rPr lang="en-US" sz="6600" b="1">
+                <a:solidFill>
+                  <a:prstClr val="black"/>
+                </a:solidFill>
+                <a:effectLst>
+                  <a:glow rad="101600">
+                    <a:prstClr val="white">
+                      <a:alpha val="60000"/>
+                    </a:prstClr>
+                  </a:glow>
+                </a:effectLst>
+                <a:latin typeface="VNI-Aptima" pitchFamily="2" charset="0"/>
+              </a:rPr>
+              <a:t>ñaõ toaøn thaéng ba ñaøo, nguy bieán.</a:t>
             </a:r>
           </a:p>
         </p:txBody>
@@ -2833,21 +2221,6 @@
   <p:clrMapOvr>
     <a:masterClrMapping/>
   </p:clrMapOvr>
-  <mc:AlternateContent xmlns:mc="http://schemas.openxmlformats.org/markup-compatibility/2006">
-    <mc:Choice xmlns:p14="http://schemas.microsoft.com/office/powerpoint/2010/main" Requires="p14">
-      <p:transition p14:dur="0"/>
-    </mc:Choice>
-    <mc:Fallback>
-      <p:transition/>
-    </mc:Fallback>
-  </mc:AlternateContent>
-  <p:timing>
-    <p:tnLst>
-      <p:par>
-        <p:cTn id="1" dur="indefinite" restart="never" nodeType="tmRoot"/>
-      </p:par>
-    </p:tnLst>
-  </p:timing>
 </p:sld>
 </file>
 
@@ -2905,42 +2278,10 @@
                 </a:effectLst>
                 <a:latin typeface="VNI-Aptima" pitchFamily="2" charset="0"/>
               </a:rPr>
-              <a:t>Nguyeän trong </a:t>
-            </a:r>
-            <a:r>
-              <a:rPr lang="en-US" sz="6600" b="1">
-                <a:solidFill>
-                  <a:prstClr val="black"/>
-                </a:solidFill>
-                <a:effectLst>
-                  <a:glow rad="101600">
-                    <a:prstClr val="white">
-                      <a:alpha val="60000"/>
-                    </a:prstClr>
-                  </a:glow>
-                </a:effectLst>
-                <a:latin typeface="VNI-Aptima" pitchFamily="2" charset="0"/>
-              </a:rPr>
-              <a:t>baïn </a:t>
-            </a:r>
-            <a:r>
-              <a:rPr lang="en-US" sz="6600" b="1" smtClean="0">
-                <a:solidFill>
-                  <a:prstClr val="black"/>
-                </a:solidFill>
-                <a:effectLst>
-                  <a:glow rad="101600">
-                    <a:prstClr val="white">
-                      <a:alpha val="60000"/>
-                    </a:prstClr>
-                  </a:glow>
-                </a:effectLst>
-                <a:latin typeface="VNI-Aptima" pitchFamily="2" charset="0"/>
-              </a:rPr>
-              <a:t/>
+              <a:t>Nguyeän trong baïn </a:t>
             </a:r>
             <a:br>
-              <a:rPr lang="en-US" sz="6600" b="1" smtClean="0">
+              <a:rPr lang="en-US" sz="6600" b="1">
                 <a:solidFill>
                   <a:prstClr val="black"/>
                 </a:solidFill>
@@ -2955,36 +2296,20 @@
               </a:rPr>
             </a:br>
             <a:r>
-              <a:rPr lang="en-US" sz="6600" b="1" smtClean="0">
-                <a:solidFill>
-                  <a:prstClr val="black"/>
-                </a:solidFill>
-                <a:effectLst>
-                  <a:glow rad="101600">
-                    <a:prstClr val="white">
-                      <a:alpha val="60000"/>
-                    </a:prstClr>
-                  </a:glow>
-                </a:effectLst>
-                <a:latin typeface="VNI-Aptima" pitchFamily="2" charset="0"/>
-              </a:rPr>
-              <a:t>loøa </a:t>
-            </a:r>
-            <a:r>
-              <a:rPr lang="en-US" sz="6600" b="1">
-                <a:solidFill>
-                  <a:prstClr val="black"/>
-                </a:solidFill>
-                <a:effectLst>
-                  <a:glow rad="101600">
-                    <a:prstClr val="white">
-                      <a:alpha val="60000"/>
-                    </a:prstClr>
-                  </a:glow>
-                </a:effectLst>
-                <a:latin typeface="VNI-Aptima" pitchFamily="2" charset="0"/>
-              </a:rPr>
-              <a:t>ra tia saùng thaàn, thaønh naêng thaùp </a:t>
+              <a:rPr lang="en-US" sz="6600" b="1">
+                <a:solidFill>
+                  <a:prstClr val="black"/>
+                </a:solidFill>
+                <a:effectLst>
+                  <a:glow rad="101600">
+                    <a:prstClr val="white">
+                      <a:alpha val="60000"/>
+                    </a:prstClr>
+                  </a:glow>
+                </a:effectLst>
+                <a:latin typeface="VNI-Aptima" pitchFamily="2" charset="0"/>
+              </a:rPr>
+              <a:t>loøa ra tia saùng thaàn, thaønh naêng thaùp </a:t>
             </a:r>
             <a:br>
               <a:rPr lang="en-US" sz="6600" b="1">
@@ -3078,13 +2403,6 @@
   <p:clrMapOvr>
     <a:masterClrMapping/>
   </p:clrMapOvr>
-  <p:timing>
-    <p:tnLst>
-      <p:par>
-        <p:cTn id="1" dur="indefinite" restart="never" nodeType="tmRoot"/>
-      </p:par>
-    </p:tnLst>
-  </p:timing>
 </p:sld>
 </file>
 
@@ -3158,138 +2476,10 @@
                 </a:effectLst>
                 <a:latin typeface="VNI-Aptima" pitchFamily="2" charset="0"/>
               </a:rPr>
-              <a:t> Moïi ñôøi </a:t>
-            </a:r>
-            <a:r>
-              <a:rPr lang="en-US" sz="6600" b="1">
-                <a:solidFill>
-                  <a:prstClr val="black"/>
-                </a:solidFill>
-                <a:effectLst>
-                  <a:glow rad="101600">
-                    <a:prstClr val="white">
-                      <a:alpha val="60000"/>
-                    </a:prstClr>
-                  </a:glow>
-                </a:effectLst>
-                <a:latin typeface="VNI-Aptima" pitchFamily="2" charset="0"/>
-              </a:rPr>
-              <a:t>soáng </a:t>
-            </a:r>
-            <a:r>
-              <a:rPr lang="en-US" sz="6600" b="1" smtClean="0">
-                <a:solidFill>
-                  <a:prstClr val="black"/>
-                </a:solidFill>
-                <a:effectLst>
-                  <a:glow rad="101600">
-                    <a:prstClr val="white">
-                      <a:alpha val="60000"/>
-                    </a:prstClr>
-                  </a:glow>
-                </a:effectLst>
-                <a:latin typeface="VNI-Aptima" pitchFamily="2" charset="0"/>
-              </a:rPr>
-              <a:t>haõy </a:t>
-            </a:r>
-            <a:r>
-              <a:rPr lang="en-US" sz="6600" b="1">
-                <a:solidFill>
-                  <a:prstClr val="black"/>
-                </a:solidFill>
-                <a:effectLst>
-                  <a:glow rad="101600">
-                    <a:prstClr val="white">
-                      <a:alpha val="60000"/>
-                    </a:prstClr>
-                  </a:glow>
-                </a:effectLst>
-                <a:latin typeface="VNI-Aptima" pitchFamily="2" charset="0"/>
-              </a:rPr>
-              <a:t>chieáu </a:t>
-            </a:r>
-            <a:r>
-              <a:rPr lang="en-US" sz="6600" b="1">
-                <a:solidFill>
-                  <a:prstClr val="black"/>
-                </a:solidFill>
-                <a:effectLst>
-                  <a:glow rad="101600">
-                    <a:prstClr val="white">
-                      <a:alpha val="60000"/>
-                    </a:prstClr>
-                  </a:glow>
-                </a:effectLst>
-                <a:latin typeface="VNI-Aptima" pitchFamily="2" charset="0"/>
-              </a:rPr>
-              <a:t>gioáng </a:t>
-            </a:r>
-            <a:r>
-              <a:rPr lang="en-US" sz="6600" b="1" smtClean="0">
-                <a:solidFill>
-                  <a:prstClr val="black"/>
-                </a:solidFill>
-                <a:effectLst>
-                  <a:glow rad="101600">
-                    <a:prstClr val="white">
-                      <a:alpha val="60000"/>
-                    </a:prstClr>
-                  </a:glow>
-                </a:effectLst>
-                <a:latin typeface="VNI-Aptima" pitchFamily="2" charset="0"/>
-              </a:rPr>
-              <a:t>haûi </a:t>
-            </a:r>
-            <a:r>
-              <a:rPr lang="en-US" sz="6600" b="1">
-                <a:solidFill>
-                  <a:prstClr val="black"/>
-                </a:solidFill>
-                <a:effectLst>
-                  <a:glow rad="101600">
-                    <a:prstClr val="white">
-                      <a:alpha val="60000"/>
-                    </a:prstClr>
-                  </a:glow>
-                </a:effectLst>
-                <a:latin typeface="VNI-Aptima" pitchFamily="2" charset="0"/>
-              </a:rPr>
-              <a:t>ñaêng, chieáu saùng </a:t>
-            </a:r>
-            <a:r>
-              <a:rPr lang="en-US" sz="6600" b="1">
-                <a:solidFill>
-                  <a:prstClr val="black"/>
-                </a:solidFill>
-                <a:effectLst>
-                  <a:glow rad="101600">
-                    <a:prstClr val="white">
-                      <a:alpha val="60000"/>
-                    </a:prstClr>
-                  </a:glow>
-                </a:effectLst>
-                <a:latin typeface="VNI-Aptima" pitchFamily="2" charset="0"/>
-              </a:rPr>
-              <a:t>giöõa </a:t>
-            </a:r>
-            <a:r>
-              <a:rPr lang="en-US" sz="6600" b="1" smtClean="0">
-                <a:solidFill>
-                  <a:prstClr val="black"/>
-                </a:solidFill>
-                <a:effectLst>
-                  <a:glow rad="101600">
-                    <a:prstClr val="white">
-                      <a:alpha val="60000"/>
-                    </a:prstClr>
-                  </a:glow>
-                </a:effectLst>
-                <a:latin typeface="VNI-Aptima" pitchFamily="2" charset="0"/>
-              </a:rPr>
-              <a:t/>
+              <a:t> Moïi ñôøi soáng haõy chieáu gioáng haûi ñaêng, chieáu saùng giöõa </a:t>
             </a:r>
             <a:br>
-              <a:rPr lang="en-US" sz="6600" b="1" smtClean="0">
+              <a:rPr lang="en-US" sz="6600" b="1">
                 <a:solidFill>
                   <a:prstClr val="black"/>
                 </a:solidFill>
@@ -3304,36 +2494,20 @@
               </a:rPr>
             </a:br>
             <a:r>
-              <a:rPr lang="en-US" sz="6600" b="1" smtClean="0">
-                <a:solidFill>
-                  <a:prstClr val="black"/>
-                </a:solidFill>
-                <a:effectLst>
-                  <a:glow rad="101600">
-                    <a:prstClr val="white">
-                      <a:alpha val="60000"/>
-                    </a:prstClr>
-                  </a:glow>
-                </a:effectLst>
-                <a:latin typeface="VNI-Aptima" pitchFamily="2" charset="0"/>
-              </a:rPr>
-              <a:t>ba </a:t>
-            </a:r>
-            <a:r>
-              <a:rPr lang="en-US" sz="6600" b="1">
-                <a:solidFill>
-                  <a:prstClr val="black"/>
-                </a:solidFill>
-                <a:effectLst>
-                  <a:glow rad="101600">
-                    <a:prstClr val="white">
-                      <a:alpha val="60000"/>
-                    </a:prstClr>
-                  </a:glow>
-                </a:effectLst>
-                <a:latin typeface="VNI-Aptima" pitchFamily="2" charset="0"/>
-              </a:rPr>
-              <a:t>ñaøo hung haêng.</a:t>
+              <a:rPr lang="en-US" sz="6600" b="1">
+                <a:solidFill>
+                  <a:prstClr val="black"/>
+                </a:solidFill>
+                <a:effectLst>
+                  <a:glow rad="101600">
+                    <a:prstClr val="white">
+                      <a:alpha val="60000"/>
+                    </a:prstClr>
+                  </a:glow>
+                </a:effectLst>
+                <a:latin typeface="VNI-Aptima" pitchFamily="2" charset="0"/>
+              </a:rPr>
+              <a:t>ba ñaøo hung haêng.</a:t>
             </a:r>
           </a:p>
         </p:txBody>
@@ -3396,13 +2570,6 @@
   <p:clrMapOvr>
     <a:masterClrMapping/>
   </p:clrMapOvr>
-  <p:timing>
-    <p:tnLst>
-      <p:par>
-        <p:cTn id="1" dur="indefinite" restart="never" nodeType="tmRoot"/>
-      </p:par>
-    </p:tnLst>
-  </p:timing>
 </p:sld>
 </file>
 
@@ -3460,42 +2627,10 @@
                 </a:effectLst>
                 <a:latin typeface="VNI-Aptima" pitchFamily="2" charset="0"/>
               </a:rPr>
-              <a:t>Haàu roïi ñöôøng </a:t>
-            </a:r>
-            <a:r>
-              <a:rPr lang="en-US" sz="6600" b="1">
-                <a:solidFill>
-                  <a:prstClr val="black"/>
-                </a:solidFill>
-                <a:effectLst>
-                  <a:glow rad="101600">
-                    <a:prstClr val="white">
-                      <a:alpha val="60000"/>
-                    </a:prstClr>
-                  </a:glow>
-                </a:effectLst>
-                <a:latin typeface="VNI-Aptima" pitchFamily="2" charset="0"/>
-              </a:rPr>
-              <a:t>cho </a:t>
-            </a:r>
-            <a:r>
-              <a:rPr lang="en-US" sz="6600" b="1" smtClean="0">
-                <a:solidFill>
-                  <a:prstClr val="black"/>
-                </a:solidFill>
-                <a:effectLst>
-                  <a:glow rad="101600">
-                    <a:prstClr val="white">
-                      <a:alpha val="60000"/>
-                    </a:prstClr>
-                  </a:glow>
-                </a:effectLst>
-                <a:latin typeface="VNI-Aptima" pitchFamily="2" charset="0"/>
-              </a:rPr>
-              <a:t/>
+              <a:t>Haàu roïi ñöôøng cho </a:t>
             </a:r>
             <a:br>
-              <a:rPr lang="en-US" sz="6600" b="1" smtClean="0">
+              <a:rPr lang="en-US" sz="6600" b="1">
                 <a:solidFill>
                   <a:prstClr val="black"/>
                 </a:solidFill>
@@ -3510,71 +2645,23 @@
               </a:rPr>
             </a:br>
             <a:r>
-              <a:rPr lang="en-US" sz="6600" b="1" smtClean="0">
-                <a:solidFill>
-                  <a:prstClr val="black"/>
-                </a:solidFill>
-                <a:effectLst>
-                  <a:glow rad="101600">
-                    <a:prstClr val="white">
-                      <a:alpha val="60000"/>
-                    </a:prstClr>
-                  </a:glow>
-                </a:effectLst>
-                <a:latin typeface="VNI-Aptima" pitchFamily="2" charset="0"/>
-              </a:rPr>
-              <a:t>bao </a:t>
-            </a:r>
-            <a:r>
-              <a:rPr lang="en-US" sz="6600" b="1">
-                <a:solidFill>
-                  <a:prstClr val="black"/>
-                </a:solidFill>
-                <a:effectLst>
-                  <a:glow rad="101600">
-                    <a:prstClr val="white">
-                      <a:alpha val="60000"/>
-                    </a:prstClr>
-                  </a:glow>
-                </a:effectLst>
-                <a:latin typeface="VNI-Aptima" pitchFamily="2" charset="0"/>
-              </a:rPr>
-              <a:t>thuûy thuû kìa</a:t>
-            </a:r>
-            <a:r>
-              <a:rPr lang="en-US" sz="6600" b="1">
-                <a:solidFill>
-                  <a:prstClr val="black"/>
-                </a:solidFill>
-                <a:effectLst>
-                  <a:glow rad="101600">
-                    <a:prstClr val="white">
-                      <a:alpha val="60000"/>
-                    </a:prstClr>
-                  </a:glow>
-                </a:effectLst>
-                <a:latin typeface="VNI-Aptima" pitchFamily="2" charset="0"/>
-              </a:rPr>
-              <a:t>, </a:t>
-            </a:r>
-            <a:r>
-              <a:rPr lang="en-US" sz="6600" b="1" smtClean="0">
-                <a:solidFill>
-                  <a:prstClr val="black"/>
-                </a:solidFill>
-                <a:effectLst>
-                  <a:glow rad="101600">
-                    <a:prstClr val="white">
-                      <a:alpha val="60000"/>
-                    </a:prstClr>
-                  </a:glow>
-                </a:effectLst>
-                <a:latin typeface="VNI-Aptima" pitchFamily="2" charset="0"/>
-              </a:rPr>
-              <a:t/>
+              <a:rPr lang="en-US" sz="6600" b="1">
+                <a:solidFill>
+                  <a:prstClr val="black"/>
+                </a:solidFill>
+                <a:effectLst>
+                  <a:glow rad="101600">
+                    <a:prstClr val="white">
+                      <a:alpha val="60000"/>
+                    </a:prstClr>
+                  </a:glow>
+                </a:effectLst>
+                <a:latin typeface="VNI-Aptima" pitchFamily="2" charset="0"/>
+              </a:rPr>
+              <a:t>bao thuûy thuû kìa, </a:t>
             </a:r>
             <a:br>
-              <a:rPr lang="en-US" sz="6600" b="1" smtClean="0">
+              <a:rPr lang="en-US" sz="6600" b="1">
                 <a:solidFill>
                   <a:prstClr val="black"/>
                 </a:solidFill>
@@ -3589,71 +2676,23 @@
               </a:rPr>
             </a:br>
             <a:r>
-              <a:rPr lang="en-US" sz="6600" b="1" smtClean="0">
-                <a:solidFill>
-                  <a:prstClr val="black"/>
-                </a:solidFill>
-                <a:effectLst>
-                  <a:glow rad="101600">
-                    <a:prstClr val="white">
-                      <a:alpha val="60000"/>
-                    </a:prstClr>
-                  </a:glow>
-                </a:effectLst>
-                <a:latin typeface="VNI-Aptima" pitchFamily="2" charset="0"/>
-              </a:rPr>
-              <a:t>vöôït </a:t>
-            </a:r>
-            <a:r>
-              <a:rPr lang="en-US" sz="6600" b="1">
-                <a:solidFill>
-                  <a:prstClr val="black"/>
-                </a:solidFill>
-                <a:effectLst>
-                  <a:glow rad="101600">
-                    <a:prstClr val="white">
-                      <a:alpha val="60000"/>
-                    </a:prstClr>
-                  </a:glow>
-                </a:effectLst>
-                <a:latin typeface="VNI-Aptima" pitchFamily="2" charset="0"/>
-              </a:rPr>
-              <a:t>bao hieåm </a:t>
-            </a:r>
-            <a:r>
-              <a:rPr lang="en-US" sz="6600" b="1">
-                <a:solidFill>
-                  <a:prstClr val="black"/>
-                </a:solidFill>
-                <a:effectLst>
-                  <a:glow rad="101600">
-                    <a:prstClr val="white">
-                      <a:alpha val="60000"/>
-                    </a:prstClr>
-                  </a:glow>
-                </a:effectLst>
-                <a:latin typeface="VNI-Aptima" pitchFamily="2" charset="0"/>
-              </a:rPr>
-              <a:t>nguy </a:t>
-            </a:r>
-            <a:r>
-              <a:rPr lang="en-US" sz="6600" b="1" smtClean="0">
-                <a:solidFill>
-                  <a:prstClr val="black"/>
-                </a:solidFill>
-                <a:effectLst>
-                  <a:glow rad="101600">
-                    <a:prstClr val="white">
-                      <a:alpha val="60000"/>
-                    </a:prstClr>
-                  </a:glow>
-                </a:effectLst>
-                <a:latin typeface="VNI-Aptima" pitchFamily="2" charset="0"/>
-              </a:rPr>
-              <a:t/>
+              <a:rPr lang="en-US" sz="6600" b="1">
+                <a:solidFill>
+                  <a:prstClr val="black"/>
+                </a:solidFill>
+                <a:effectLst>
+                  <a:glow rad="101600">
+                    <a:prstClr val="white">
+                      <a:alpha val="60000"/>
+                    </a:prstClr>
+                  </a:glow>
+                </a:effectLst>
+                <a:latin typeface="VNI-Aptima" pitchFamily="2" charset="0"/>
+              </a:rPr>
+              <a:t>vöôït bao hieåm nguy </a:t>
             </a:r>
             <a:br>
-              <a:rPr lang="en-US" sz="6600" b="1" smtClean="0">
+              <a:rPr lang="en-US" sz="6600" b="1">
                 <a:solidFill>
                   <a:prstClr val="black"/>
                 </a:solidFill>
@@ -3668,36 +2707,20 @@
               </a:rPr>
             </a:br>
             <a:r>
-              <a:rPr lang="en-US" sz="6600" b="1" smtClean="0">
-                <a:solidFill>
-                  <a:prstClr val="black"/>
-                </a:solidFill>
-                <a:effectLst>
-                  <a:glow rad="101600">
-                    <a:prstClr val="white">
-                      <a:alpha val="60000"/>
-                    </a:prstClr>
-                  </a:glow>
-                </a:effectLst>
-                <a:latin typeface="VNI-Aptima" pitchFamily="2" charset="0"/>
-              </a:rPr>
-              <a:t>luùc </a:t>
-            </a:r>
-            <a:r>
-              <a:rPr lang="en-US" sz="6600" b="1">
-                <a:solidFill>
-                  <a:prstClr val="black"/>
-                </a:solidFill>
-                <a:effectLst>
-                  <a:glow rad="101600">
-                    <a:prstClr val="white">
-                      <a:alpha val="60000"/>
-                    </a:prstClr>
-                  </a:glow>
-                </a:effectLst>
-                <a:latin typeface="VNI-Aptima" pitchFamily="2" charset="0"/>
-              </a:rPr>
-              <a:t>trôøi khuya.</a:t>
+              <a:rPr lang="en-US" sz="6600" b="1">
+                <a:solidFill>
+                  <a:prstClr val="black"/>
+                </a:solidFill>
+                <a:effectLst>
+                  <a:glow rad="101600">
+                    <a:prstClr val="white">
+                      <a:alpha val="60000"/>
+                    </a:prstClr>
+                  </a:glow>
+                </a:effectLst>
+                <a:latin typeface="VNI-Aptima" pitchFamily="2" charset="0"/>
+              </a:rPr>
+              <a:t>luùc trôøi khuya.</a:t>
             </a:r>
           </a:p>
         </p:txBody>
@@ -3760,13 +2783,6 @@
   <p:clrMapOvr>
     <a:masterClrMapping/>
   </p:clrMapOvr>
-  <p:timing>
-    <p:tnLst>
-      <p:par>
-        <p:cTn id="1" dur="indefinite" restart="never" nodeType="tmRoot"/>
-      </p:par>
-    </p:tnLst>
-  </p:timing>
 </p:sld>
 </file>
 
@@ -3811,7 +2827,7 @@
           <a:p>
             <a:pPr algn="ctr"/>
             <a:r>
-              <a:rPr lang="en-US" sz="4000" b="1" smtClean="0">
+              <a:rPr lang="en-US" sz="4000" b="1">
                 <a:solidFill>
                   <a:prstClr val="black"/>
                 </a:solidFill>
@@ -3840,42 +2856,10 @@
                 </a:effectLst>
                 <a:latin typeface="VNI-Aptima" pitchFamily="2" charset="0"/>
               </a:rPr>
-              <a:t>Loøng ñaïi töø </a:t>
-            </a:r>
-            <a:r>
-              <a:rPr lang="en-US" sz="6600" b="1">
-                <a:solidFill>
-                  <a:prstClr val="black"/>
-                </a:solidFill>
-                <a:effectLst>
-                  <a:glow rad="101600">
-                    <a:prstClr val="white">
-                      <a:alpha val="60000"/>
-                    </a:prstClr>
-                  </a:glow>
-                </a:effectLst>
-                <a:latin typeface="VNI-Aptima" pitchFamily="2" charset="0"/>
-              </a:rPr>
-              <a:t>cuûa </a:t>
-            </a:r>
-            <a:r>
-              <a:rPr lang="en-US" sz="6600" b="1" smtClean="0">
-                <a:solidFill>
-                  <a:prstClr val="black"/>
-                </a:solidFill>
-                <a:effectLst>
-                  <a:glow rad="101600">
-                    <a:prstClr val="white">
-                      <a:alpha val="60000"/>
-                    </a:prstClr>
-                  </a:glow>
-                </a:effectLst>
-                <a:latin typeface="VNI-Aptima" pitchFamily="2" charset="0"/>
-              </a:rPr>
-              <a:t/>
+              <a:t>Loøng ñaïi töø cuûa </a:t>
             </a:r>
             <a:br>
-              <a:rPr lang="en-US" sz="6600" b="1" smtClean="0">
+              <a:rPr lang="en-US" sz="6600" b="1">
                 <a:solidFill>
                   <a:prstClr val="black"/>
                 </a:solidFill>
@@ -3890,71 +2874,23 @@
               </a:rPr>
             </a:br>
             <a:r>
-              <a:rPr lang="en-US" sz="6600" b="1" smtClean="0">
-                <a:solidFill>
-                  <a:prstClr val="black"/>
-                </a:solidFill>
-                <a:effectLst>
-                  <a:glow rad="101600">
-                    <a:prstClr val="white">
-                      <a:alpha val="60000"/>
-                    </a:prstClr>
-                  </a:glow>
-                </a:effectLst>
-                <a:latin typeface="VNI-Aptima" pitchFamily="2" charset="0"/>
-              </a:rPr>
-              <a:t>Chuùa </a:t>
-            </a:r>
-            <a:r>
-              <a:rPr lang="en-US" sz="6600" b="1">
-                <a:solidFill>
-                  <a:prstClr val="black"/>
-                </a:solidFill>
-                <a:effectLst>
-                  <a:glow rad="101600">
-                    <a:prstClr val="white">
-                      <a:alpha val="60000"/>
-                    </a:prstClr>
-                  </a:glow>
-                </a:effectLst>
-                <a:latin typeface="VNI-Aptima" pitchFamily="2" charset="0"/>
-              </a:rPr>
-              <a:t>Cha soi raïng</a:t>
-            </a:r>
-            <a:r>
-              <a:rPr lang="en-US" sz="6600" b="1">
-                <a:solidFill>
-                  <a:prstClr val="black"/>
-                </a:solidFill>
-                <a:effectLst>
-                  <a:glow rad="101600">
-                    <a:prstClr val="white">
-                      <a:alpha val="60000"/>
-                    </a:prstClr>
-                  </a:glow>
-                </a:effectLst>
-                <a:latin typeface="VNI-Aptima" pitchFamily="2" charset="0"/>
-              </a:rPr>
-              <a:t>, </a:t>
-            </a:r>
-            <a:r>
-              <a:rPr lang="en-US" sz="6600" b="1" smtClean="0">
-                <a:solidFill>
-                  <a:prstClr val="black"/>
-                </a:solidFill>
-                <a:effectLst>
-                  <a:glow rad="101600">
-                    <a:prstClr val="white">
-                      <a:alpha val="60000"/>
-                    </a:prstClr>
-                  </a:glow>
-                </a:effectLst>
-                <a:latin typeface="VNI-Aptima" pitchFamily="2" charset="0"/>
-              </a:rPr>
-              <a:t/>
+              <a:rPr lang="en-US" sz="6600" b="1">
+                <a:solidFill>
+                  <a:prstClr val="black"/>
+                </a:solidFill>
+                <a:effectLst>
+                  <a:glow rad="101600">
+                    <a:prstClr val="white">
+                      <a:alpha val="60000"/>
+                    </a:prstClr>
+                  </a:glow>
+                </a:effectLst>
+                <a:latin typeface="VNI-Aptima" pitchFamily="2" charset="0"/>
+              </a:rPr>
+              <a:t>Chuùa Cha soi raïng, </a:t>
             </a:r>
             <a:br>
-              <a:rPr lang="en-US" sz="6600" b="1" smtClean="0">
+              <a:rPr lang="en-US" sz="6600" b="1">
                 <a:solidFill>
                   <a:prstClr val="black"/>
                 </a:solidFill>
@@ -3969,71 +2905,23 @@
               </a:rPr>
             </a:br>
             <a:r>
-              <a:rPr lang="en-US" sz="6600" b="1" smtClean="0">
-                <a:solidFill>
-                  <a:prstClr val="black"/>
-                </a:solidFill>
-                <a:effectLst>
-                  <a:glow rad="101600">
-                    <a:prstClr val="white">
-                      <a:alpha val="60000"/>
-                    </a:prstClr>
-                  </a:glow>
-                </a:effectLst>
-                <a:latin typeface="VNI-Aptima" pitchFamily="2" charset="0"/>
-              </a:rPr>
-              <a:t>töø </a:t>
-            </a:r>
-            <a:r>
-              <a:rPr lang="en-US" sz="6600" b="1">
-                <a:solidFill>
-                  <a:prstClr val="black"/>
-                </a:solidFill>
-                <a:effectLst>
-                  <a:glow rad="101600">
-                    <a:prstClr val="white">
-                      <a:alpha val="60000"/>
-                    </a:prstClr>
-                  </a:glow>
-                </a:effectLst>
-                <a:latin typeface="VNI-Aptima" pitchFamily="2" charset="0"/>
-              </a:rPr>
-              <a:t>Lôøi Thaùnh, </a:t>
-            </a:r>
-            <a:r>
-              <a:rPr lang="en-US" sz="6600" b="1">
-                <a:solidFill>
-                  <a:prstClr val="black"/>
-                </a:solidFill>
-                <a:effectLst>
-                  <a:glow rad="101600">
-                    <a:prstClr val="white">
-                      <a:alpha val="60000"/>
-                    </a:prstClr>
-                  </a:glow>
-                </a:effectLst>
-                <a:latin typeface="VNI-Aptima" pitchFamily="2" charset="0"/>
-              </a:rPr>
-              <a:t>nhö </a:t>
-            </a:r>
-            <a:r>
-              <a:rPr lang="en-US" sz="6600" b="1" smtClean="0">
-                <a:solidFill>
-                  <a:prstClr val="black"/>
-                </a:solidFill>
-                <a:effectLst>
-                  <a:glow rad="101600">
-                    <a:prstClr val="white">
-                      <a:alpha val="60000"/>
-                    </a:prstClr>
-                  </a:glow>
-                </a:effectLst>
-                <a:latin typeface="VNI-Aptima" pitchFamily="2" charset="0"/>
-              </a:rPr>
-              <a:t/>
+              <a:rPr lang="en-US" sz="6600" b="1">
+                <a:solidFill>
+                  <a:prstClr val="black"/>
+                </a:solidFill>
+                <a:effectLst>
+                  <a:glow rad="101600">
+                    <a:prstClr val="white">
+                      <a:alpha val="60000"/>
+                    </a:prstClr>
+                  </a:glow>
+                </a:effectLst>
+                <a:latin typeface="VNI-Aptima" pitchFamily="2" charset="0"/>
+              </a:rPr>
+              <a:t>töø Lôøi Thaùnh, nhö </a:t>
             </a:r>
             <a:br>
-              <a:rPr lang="en-US" sz="6600" b="1" smtClean="0">
+              <a:rPr lang="en-US" sz="6600" b="1">
                 <a:solidFill>
                   <a:prstClr val="black"/>
                 </a:solidFill>
@@ -4048,36 +2936,20 @@
               </a:rPr>
             </a:br>
             <a:r>
-              <a:rPr lang="en-US" sz="6600" b="1" smtClean="0">
-                <a:solidFill>
-                  <a:prstClr val="black"/>
-                </a:solidFill>
-                <a:effectLst>
-                  <a:glow rad="101600">
-                    <a:prstClr val="white">
-                      <a:alpha val="60000"/>
-                    </a:prstClr>
-                  </a:glow>
-                </a:effectLst>
-                <a:latin typeface="VNI-Aptima" pitchFamily="2" charset="0"/>
-              </a:rPr>
-              <a:t>voïng </a:t>
-            </a:r>
-            <a:r>
-              <a:rPr lang="en-US" sz="6600" b="1">
-                <a:solidFill>
-                  <a:prstClr val="black"/>
-                </a:solidFill>
-                <a:effectLst>
-                  <a:glow rad="101600">
-                    <a:prstClr val="white">
-                      <a:alpha val="60000"/>
-                    </a:prstClr>
-                  </a:glow>
-                </a:effectLst>
-                <a:latin typeface="VNI-Aptima" pitchFamily="2" charset="0"/>
-              </a:rPr>
-              <a:t>ñaêng saùng.</a:t>
+              <a:rPr lang="en-US" sz="6600" b="1">
+                <a:solidFill>
+                  <a:prstClr val="black"/>
+                </a:solidFill>
+                <a:effectLst>
+                  <a:glow rad="101600">
+                    <a:prstClr val="white">
+                      <a:alpha val="60000"/>
+                    </a:prstClr>
+                  </a:glow>
+                </a:effectLst>
+                <a:latin typeface="VNI-Aptima" pitchFamily="2" charset="0"/>
+              </a:rPr>
+              <a:t>voïng ñaêng saùng.</a:t>
             </a:r>
           </a:p>
         </p:txBody>
@@ -4152,13 +3024,6 @@
       </p:transition>
     </mc:Fallback>
   </mc:AlternateContent>
-  <p:timing>
-    <p:tnLst>
-      <p:par>
-        <p:cTn id="1" dur="indefinite" restart="never" nodeType="tmRoot"/>
-      </p:par>
-    </p:tnLst>
-  </p:timing>
 </p:sld>
 </file>
 
@@ -4216,42 +3081,10 @@
                 </a:effectLst>
                 <a:latin typeface="VNI-Aptima" pitchFamily="2" charset="0"/>
               </a:rPr>
-              <a:t>Ngaøi giao vieäc </a:t>
-            </a:r>
-            <a:r>
-              <a:rPr lang="en-US" sz="6600" b="1">
-                <a:solidFill>
-                  <a:prstClr val="black"/>
-                </a:solidFill>
-                <a:effectLst>
-                  <a:glow rad="101600">
-                    <a:prstClr val="white">
-                      <a:alpha val="60000"/>
-                    </a:prstClr>
-                  </a:glow>
-                </a:effectLst>
-                <a:latin typeface="VNI-Aptima" pitchFamily="2" charset="0"/>
-              </a:rPr>
-              <a:t>ta </a:t>
-            </a:r>
-            <a:r>
-              <a:rPr lang="en-US" sz="6600" b="1" smtClean="0">
-                <a:solidFill>
-                  <a:prstClr val="black"/>
-                </a:solidFill>
-                <a:effectLst>
-                  <a:glow rad="101600">
-                    <a:prstClr val="white">
-                      <a:alpha val="60000"/>
-                    </a:prstClr>
-                  </a:glow>
-                </a:effectLst>
-                <a:latin typeface="VNI-Aptima" pitchFamily="2" charset="0"/>
-              </a:rPr>
-              <a:t/>
+              <a:t>Ngaøi giao vieäc ta </a:t>
             </a:r>
             <a:br>
-              <a:rPr lang="en-US" sz="6600" b="1" smtClean="0">
+              <a:rPr lang="en-US" sz="6600" b="1">
                 <a:solidFill>
                   <a:prstClr val="black"/>
                 </a:solidFill>
@@ -4266,36 +3099,20 @@
               </a:rPr>
             </a:br>
             <a:r>
-              <a:rPr lang="en-US" sz="6600" b="1" smtClean="0">
-                <a:solidFill>
-                  <a:prstClr val="black"/>
-                </a:solidFill>
-                <a:effectLst>
-                  <a:glow rad="101600">
-                    <a:prstClr val="white">
-                      <a:alpha val="60000"/>
-                    </a:prstClr>
-                  </a:glow>
-                </a:effectLst>
-                <a:latin typeface="VNI-Aptima" pitchFamily="2" charset="0"/>
-              </a:rPr>
-              <a:t>troâng </a:t>
-            </a:r>
-            <a:r>
-              <a:rPr lang="en-US" sz="6600" b="1">
-                <a:solidFill>
-                  <a:prstClr val="black"/>
-                </a:solidFill>
-                <a:effectLst>
-                  <a:glow rad="101600">
-                    <a:prstClr val="white">
-                      <a:alpha val="60000"/>
-                    </a:prstClr>
-                  </a:glow>
-                </a:effectLst>
-                <a:latin typeface="VNI-Aptima" pitchFamily="2" charset="0"/>
-              </a:rPr>
-              <a:t>ñaêng thaùp naày, haèng ñeâm chieáu nôi bieån traàn ñaây.</a:t>
+              <a:rPr lang="en-US" sz="6600" b="1">
+                <a:solidFill>
+                  <a:prstClr val="black"/>
+                </a:solidFill>
+                <a:effectLst>
+                  <a:glow rad="101600">
+                    <a:prstClr val="white">
+                      <a:alpha val="60000"/>
+                    </a:prstClr>
+                  </a:glow>
+                </a:effectLst>
+                <a:latin typeface="VNI-Aptima" pitchFamily="2" charset="0"/>
+              </a:rPr>
+              <a:t>troâng ñaêng thaùp naày, haèng ñeâm chieáu nôi bieån traàn ñaây.</a:t>
             </a:r>
           </a:p>
         </p:txBody>
@@ -4358,13 +3175,6 @@
   <p:clrMapOvr>
     <a:masterClrMapping/>
   </p:clrMapOvr>
-  <p:timing>
-    <p:tnLst>
-      <p:par>
-        <p:cTn id="1" dur="indefinite" restart="never" nodeType="tmRoot"/>
-      </p:par>
-    </p:tnLst>
-  </p:timing>
 </p:sld>
 </file>
 
@@ -4438,138 +3248,10 @@
                 </a:effectLst>
                 <a:latin typeface="VNI-Aptima" pitchFamily="2" charset="0"/>
               </a:rPr>
-              <a:t> Moïi ñôøi </a:t>
-            </a:r>
-            <a:r>
-              <a:rPr lang="en-US" sz="6600" b="1">
-                <a:solidFill>
-                  <a:prstClr val="black"/>
-                </a:solidFill>
-                <a:effectLst>
-                  <a:glow rad="101600">
-                    <a:prstClr val="white">
-                      <a:alpha val="60000"/>
-                    </a:prstClr>
-                  </a:glow>
-                </a:effectLst>
-                <a:latin typeface="VNI-Aptima" pitchFamily="2" charset="0"/>
-              </a:rPr>
-              <a:t>soáng </a:t>
-            </a:r>
-            <a:r>
-              <a:rPr lang="en-US" sz="6600" b="1" smtClean="0">
-                <a:solidFill>
-                  <a:prstClr val="black"/>
-                </a:solidFill>
-                <a:effectLst>
-                  <a:glow rad="101600">
-                    <a:prstClr val="white">
-                      <a:alpha val="60000"/>
-                    </a:prstClr>
-                  </a:glow>
-                </a:effectLst>
-                <a:latin typeface="VNI-Aptima" pitchFamily="2" charset="0"/>
-              </a:rPr>
-              <a:t>haõy </a:t>
-            </a:r>
-            <a:r>
-              <a:rPr lang="en-US" sz="6600" b="1">
-                <a:solidFill>
-                  <a:prstClr val="black"/>
-                </a:solidFill>
-                <a:effectLst>
-                  <a:glow rad="101600">
-                    <a:prstClr val="white">
-                      <a:alpha val="60000"/>
-                    </a:prstClr>
-                  </a:glow>
-                </a:effectLst>
-                <a:latin typeface="VNI-Aptima" pitchFamily="2" charset="0"/>
-              </a:rPr>
-              <a:t>chieáu </a:t>
-            </a:r>
-            <a:r>
-              <a:rPr lang="en-US" sz="6600" b="1">
-                <a:solidFill>
-                  <a:prstClr val="black"/>
-                </a:solidFill>
-                <a:effectLst>
-                  <a:glow rad="101600">
-                    <a:prstClr val="white">
-                      <a:alpha val="60000"/>
-                    </a:prstClr>
-                  </a:glow>
-                </a:effectLst>
-                <a:latin typeface="VNI-Aptima" pitchFamily="2" charset="0"/>
-              </a:rPr>
-              <a:t>gioáng </a:t>
-            </a:r>
-            <a:r>
-              <a:rPr lang="en-US" sz="6600" b="1" smtClean="0">
-                <a:solidFill>
-                  <a:prstClr val="black"/>
-                </a:solidFill>
-                <a:effectLst>
-                  <a:glow rad="101600">
-                    <a:prstClr val="white">
-                      <a:alpha val="60000"/>
-                    </a:prstClr>
-                  </a:glow>
-                </a:effectLst>
-                <a:latin typeface="VNI-Aptima" pitchFamily="2" charset="0"/>
-              </a:rPr>
-              <a:t>haûi </a:t>
-            </a:r>
-            <a:r>
-              <a:rPr lang="en-US" sz="6600" b="1">
-                <a:solidFill>
-                  <a:prstClr val="black"/>
-                </a:solidFill>
-                <a:effectLst>
-                  <a:glow rad="101600">
-                    <a:prstClr val="white">
-                      <a:alpha val="60000"/>
-                    </a:prstClr>
-                  </a:glow>
-                </a:effectLst>
-                <a:latin typeface="VNI-Aptima" pitchFamily="2" charset="0"/>
-              </a:rPr>
-              <a:t>ñaêng, chieáu saùng </a:t>
-            </a:r>
-            <a:r>
-              <a:rPr lang="en-US" sz="6600" b="1">
-                <a:solidFill>
-                  <a:prstClr val="black"/>
-                </a:solidFill>
-                <a:effectLst>
-                  <a:glow rad="101600">
-                    <a:prstClr val="white">
-                      <a:alpha val="60000"/>
-                    </a:prstClr>
-                  </a:glow>
-                </a:effectLst>
-                <a:latin typeface="VNI-Aptima" pitchFamily="2" charset="0"/>
-              </a:rPr>
-              <a:t>giöõa </a:t>
-            </a:r>
-            <a:r>
-              <a:rPr lang="en-US" sz="6600" b="1" smtClean="0">
-                <a:solidFill>
-                  <a:prstClr val="black"/>
-                </a:solidFill>
-                <a:effectLst>
-                  <a:glow rad="101600">
-                    <a:prstClr val="white">
-                      <a:alpha val="60000"/>
-                    </a:prstClr>
-                  </a:glow>
-                </a:effectLst>
-                <a:latin typeface="VNI-Aptima" pitchFamily="2" charset="0"/>
-              </a:rPr>
-              <a:t/>
+              <a:t> Moïi ñôøi soáng haõy chieáu gioáng haûi ñaêng, chieáu saùng giöõa </a:t>
             </a:r>
             <a:br>
-              <a:rPr lang="en-US" sz="6600" b="1" smtClean="0">
+              <a:rPr lang="en-US" sz="6600" b="1">
                 <a:solidFill>
                   <a:prstClr val="black"/>
                 </a:solidFill>
@@ -4584,36 +3266,20 @@
               </a:rPr>
             </a:br>
             <a:r>
-              <a:rPr lang="en-US" sz="6600" b="1" smtClean="0">
-                <a:solidFill>
-                  <a:prstClr val="black"/>
-                </a:solidFill>
-                <a:effectLst>
-                  <a:glow rad="101600">
-                    <a:prstClr val="white">
-                      <a:alpha val="60000"/>
-                    </a:prstClr>
-                  </a:glow>
-                </a:effectLst>
-                <a:latin typeface="VNI-Aptima" pitchFamily="2" charset="0"/>
-              </a:rPr>
-              <a:t>ba </a:t>
-            </a:r>
-            <a:r>
-              <a:rPr lang="en-US" sz="6600" b="1">
-                <a:solidFill>
-                  <a:prstClr val="black"/>
-                </a:solidFill>
-                <a:effectLst>
-                  <a:glow rad="101600">
-                    <a:prstClr val="white">
-                      <a:alpha val="60000"/>
-                    </a:prstClr>
-                  </a:glow>
-                </a:effectLst>
-                <a:latin typeface="VNI-Aptima" pitchFamily="2" charset="0"/>
-              </a:rPr>
-              <a:t>ñaøo hung haêng.</a:t>
+              <a:rPr lang="en-US" sz="6600" b="1">
+                <a:solidFill>
+                  <a:prstClr val="black"/>
+                </a:solidFill>
+                <a:effectLst>
+                  <a:glow rad="101600">
+                    <a:prstClr val="white">
+                      <a:alpha val="60000"/>
+                    </a:prstClr>
+                  </a:glow>
+                </a:effectLst>
+                <a:latin typeface="VNI-Aptima" pitchFamily="2" charset="0"/>
+              </a:rPr>
+              <a:t>ba ñaøo hung haêng.</a:t>
             </a:r>
           </a:p>
         </p:txBody>
@@ -4676,13 +3342,6 @@
   <p:clrMapOvr>
     <a:masterClrMapping/>
   </p:clrMapOvr>
-  <p:timing>
-    <p:tnLst>
-      <p:par>
-        <p:cTn id="1" dur="indefinite" restart="never" nodeType="tmRoot"/>
-      </p:par>
-    </p:tnLst>
-  </p:timing>
 </p:sld>
 </file>
 
@@ -4740,42 +3399,10 @@
                 </a:effectLst>
                 <a:latin typeface="VNI-Aptima" pitchFamily="2" charset="0"/>
               </a:rPr>
-              <a:t>Haàu roïi ñöôøng </a:t>
-            </a:r>
-            <a:r>
-              <a:rPr lang="en-US" sz="6600" b="1">
-                <a:solidFill>
-                  <a:prstClr val="black"/>
-                </a:solidFill>
-                <a:effectLst>
-                  <a:glow rad="101600">
-                    <a:prstClr val="white">
-                      <a:alpha val="60000"/>
-                    </a:prstClr>
-                  </a:glow>
-                </a:effectLst>
-                <a:latin typeface="VNI-Aptima" pitchFamily="2" charset="0"/>
-              </a:rPr>
-              <a:t>cho </a:t>
-            </a:r>
-            <a:r>
-              <a:rPr lang="en-US" sz="6600" b="1" smtClean="0">
-                <a:solidFill>
-                  <a:prstClr val="black"/>
-                </a:solidFill>
-                <a:effectLst>
-                  <a:glow rad="101600">
-                    <a:prstClr val="white">
-                      <a:alpha val="60000"/>
-                    </a:prstClr>
-                  </a:glow>
-                </a:effectLst>
-                <a:latin typeface="VNI-Aptima" pitchFamily="2" charset="0"/>
-              </a:rPr>
-              <a:t/>
+              <a:t>Haàu roïi ñöôøng cho </a:t>
             </a:r>
             <a:br>
-              <a:rPr lang="en-US" sz="6600" b="1" smtClean="0">
+              <a:rPr lang="en-US" sz="6600" b="1">
                 <a:solidFill>
                   <a:prstClr val="black"/>
                 </a:solidFill>
@@ -4790,71 +3417,23 @@
               </a:rPr>
             </a:br>
             <a:r>
-              <a:rPr lang="en-US" sz="6600" b="1" smtClean="0">
-                <a:solidFill>
-                  <a:prstClr val="black"/>
-                </a:solidFill>
-                <a:effectLst>
-                  <a:glow rad="101600">
-                    <a:prstClr val="white">
-                      <a:alpha val="60000"/>
-                    </a:prstClr>
-                  </a:glow>
-                </a:effectLst>
-                <a:latin typeface="VNI-Aptima" pitchFamily="2" charset="0"/>
-              </a:rPr>
-              <a:t>bao </a:t>
-            </a:r>
-            <a:r>
-              <a:rPr lang="en-US" sz="6600" b="1">
-                <a:solidFill>
-                  <a:prstClr val="black"/>
-                </a:solidFill>
-                <a:effectLst>
-                  <a:glow rad="101600">
-                    <a:prstClr val="white">
-                      <a:alpha val="60000"/>
-                    </a:prstClr>
-                  </a:glow>
-                </a:effectLst>
-                <a:latin typeface="VNI-Aptima" pitchFamily="2" charset="0"/>
-              </a:rPr>
-              <a:t>thuûy thuû kìa</a:t>
-            </a:r>
-            <a:r>
-              <a:rPr lang="en-US" sz="6600" b="1">
-                <a:solidFill>
-                  <a:prstClr val="black"/>
-                </a:solidFill>
-                <a:effectLst>
-                  <a:glow rad="101600">
-                    <a:prstClr val="white">
-                      <a:alpha val="60000"/>
-                    </a:prstClr>
-                  </a:glow>
-                </a:effectLst>
-                <a:latin typeface="VNI-Aptima" pitchFamily="2" charset="0"/>
-              </a:rPr>
-              <a:t>, </a:t>
-            </a:r>
-            <a:r>
-              <a:rPr lang="en-US" sz="6600" b="1" smtClean="0">
-                <a:solidFill>
-                  <a:prstClr val="black"/>
-                </a:solidFill>
-                <a:effectLst>
-                  <a:glow rad="101600">
-                    <a:prstClr val="white">
-                      <a:alpha val="60000"/>
-                    </a:prstClr>
-                  </a:glow>
-                </a:effectLst>
-                <a:latin typeface="VNI-Aptima" pitchFamily="2" charset="0"/>
-              </a:rPr>
-              <a:t/>
+              <a:rPr lang="en-US" sz="6600" b="1">
+                <a:solidFill>
+                  <a:prstClr val="black"/>
+                </a:solidFill>
+                <a:effectLst>
+                  <a:glow rad="101600">
+                    <a:prstClr val="white">
+                      <a:alpha val="60000"/>
+                    </a:prstClr>
+                  </a:glow>
+                </a:effectLst>
+                <a:latin typeface="VNI-Aptima" pitchFamily="2" charset="0"/>
+              </a:rPr>
+              <a:t>bao thuûy thuû kìa, </a:t>
             </a:r>
             <a:br>
-              <a:rPr lang="en-US" sz="6600" b="1" smtClean="0">
+              <a:rPr lang="en-US" sz="6600" b="1">
                 <a:solidFill>
                   <a:prstClr val="black"/>
                 </a:solidFill>
@@ -4869,71 +3448,23 @@
               </a:rPr>
             </a:br>
             <a:r>
-              <a:rPr lang="en-US" sz="6600" b="1" smtClean="0">
-                <a:solidFill>
-                  <a:prstClr val="black"/>
-                </a:solidFill>
-                <a:effectLst>
-                  <a:glow rad="101600">
-                    <a:prstClr val="white">
-                      <a:alpha val="60000"/>
-                    </a:prstClr>
-                  </a:glow>
-                </a:effectLst>
-                <a:latin typeface="VNI-Aptima" pitchFamily="2" charset="0"/>
-              </a:rPr>
-              <a:t>vöôït </a:t>
-            </a:r>
-            <a:r>
-              <a:rPr lang="en-US" sz="6600" b="1">
-                <a:solidFill>
-                  <a:prstClr val="black"/>
-                </a:solidFill>
-                <a:effectLst>
-                  <a:glow rad="101600">
-                    <a:prstClr val="white">
-                      <a:alpha val="60000"/>
-                    </a:prstClr>
-                  </a:glow>
-                </a:effectLst>
-                <a:latin typeface="VNI-Aptima" pitchFamily="2" charset="0"/>
-              </a:rPr>
-              <a:t>bao hieåm </a:t>
-            </a:r>
-            <a:r>
-              <a:rPr lang="en-US" sz="6600" b="1">
-                <a:solidFill>
-                  <a:prstClr val="black"/>
-                </a:solidFill>
-                <a:effectLst>
-                  <a:glow rad="101600">
-                    <a:prstClr val="white">
-                      <a:alpha val="60000"/>
-                    </a:prstClr>
-                  </a:glow>
-                </a:effectLst>
-                <a:latin typeface="VNI-Aptima" pitchFamily="2" charset="0"/>
-              </a:rPr>
-              <a:t>nguy </a:t>
-            </a:r>
-            <a:r>
-              <a:rPr lang="en-US" sz="6600" b="1" smtClean="0">
-                <a:solidFill>
-                  <a:prstClr val="black"/>
-                </a:solidFill>
-                <a:effectLst>
-                  <a:glow rad="101600">
-                    <a:prstClr val="white">
-                      <a:alpha val="60000"/>
-                    </a:prstClr>
-                  </a:glow>
-                </a:effectLst>
-                <a:latin typeface="VNI-Aptima" pitchFamily="2" charset="0"/>
-              </a:rPr>
-              <a:t/>
+              <a:rPr lang="en-US" sz="6600" b="1">
+                <a:solidFill>
+                  <a:prstClr val="black"/>
+                </a:solidFill>
+                <a:effectLst>
+                  <a:glow rad="101600">
+                    <a:prstClr val="white">
+                      <a:alpha val="60000"/>
+                    </a:prstClr>
+                  </a:glow>
+                </a:effectLst>
+                <a:latin typeface="VNI-Aptima" pitchFamily="2" charset="0"/>
+              </a:rPr>
+              <a:t>vöôït bao hieåm nguy </a:t>
             </a:r>
             <a:br>
-              <a:rPr lang="en-US" sz="6600" b="1" smtClean="0">
+              <a:rPr lang="en-US" sz="6600" b="1">
                 <a:solidFill>
                   <a:prstClr val="black"/>
                 </a:solidFill>
@@ -4948,36 +3479,20 @@
               </a:rPr>
             </a:br>
             <a:r>
-              <a:rPr lang="en-US" sz="6600" b="1" smtClean="0">
-                <a:solidFill>
-                  <a:prstClr val="black"/>
-                </a:solidFill>
-                <a:effectLst>
-                  <a:glow rad="101600">
-                    <a:prstClr val="white">
-                      <a:alpha val="60000"/>
-                    </a:prstClr>
-                  </a:glow>
-                </a:effectLst>
-                <a:latin typeface="VNI-Aptima" pitchFamily="2" charset="0"/>
-              </a:rPr>
-              <a:t>luùc </a:t>
-            </a:r>
-            <a:r>
-              <a:rPr lang="en-US" sz="6600" b="1">
-                <a:solidFill>
-                  <a:prstClr val="black"/>
-                </a:solidFill>
-                <a:effectLst>
-                  <a:glow rad="101600">
-                    <a:prstClr val="white">
-                      <a:alpha val="60000"/>
-                    </a:prstClr>
-                  </a:glow>
-                </a:effectLst>
-                <a:latin typeface="VNI-Aptima" pitchFamily="2" charset="0"/>
-              </a:rPr>
-              <a:t>trôøi khuya.</a:t>
+              <a:rPr lang="en-US" sz="6600" b="1">
+                <a:solidFill>
+                  <a:prstClr val="black"/>
+                </a:solidFill>
+                <a:effectLst>
+                  <a:glow rad="101600">
+                    <a:prstClr val="white">
+                      <a:alpha val="60000"/>
+                    </a:prstClr>
+                  </a:glow>
+                </a:effectLst>
+                <a:latin typeface="VNI-Aptima" pitchFamily="2" charset="0"/>
+              </a:rPr>
+              <a:t>luùc trôøi khuya.</a:t>
             </a:r>
           </a:p>
         </p:txBody>
@@ -5040,13 +3555,6 @@
   <p:clrMapOvr>
     <a:masterClrMapping/>
   </p:clrMapOvr>
-  <p:timing>
-    <p:tnLst>
-      <p:par>
-        <p:cTn id="1" dur="indefinite" restart="never" nodeType="tmRoot"/>
-      </p:par>
-    </p:tnLst>
-  </p:timing>
 </p:sld>
 </file>
 
@@ -5091,7 +3599,7 @@
           <a:p>
             <a:pPr algn="ctr"/>
             <a:r>
-              <a:rPr lang="en-US" sz="4000" b="1" smtClean="0">
+              <a:rPr lang="en-US" sz="4000" b="1">
                 <a:solidFill>
                   <a:prstClr val="black"/>
                 </a:solidFill>
@@ -5120,42 +3628,10 @@
                 </a:effectLst>
                 <a:latin typeface="VNI-Aptima" pitchFamily="2" charset="0"/>
               </a:rPr>
-              <a:t>Ñôøi toäi naày </a:t>
-            </a:r>
-            <a:r>
-              <a:rPr lang="en-US" sz="6600" b="1">
-                <a:solidFill>
-                  <a:prstClr val="black"/>
-                </a:solidFill>
-                <a:effectLst>
-                  <a:glow rad="101600">
-                    <a:prstClr val="white">
-                      <a:alpha val="60000"/>
-                    </a:prstClr>
-                  </a:glow>
-                </a:effectLst>
-                <a:latin typeface="VNI-Aptima" pitchFamily="2" charset="0"/>
-              </a:rPr>
-              <a:t>khaùc </a:t>
-            </a:r>
-            <a:r>
-              <a:rPr lang="en-US" sz="6600" b="1" smtClean="0">
-                <a:solidFill>
-                  <a:prstClr val="black"/>
-                </a:solidFill>
-                <a:effectLst>
-                  <a:glow rad="101600">
-                    <a:prstClr val="white">
-                      <a:alpha val="60000"/>
-                    </a:prstClr>
-                  </a:glow>
-                </a:effectLst>
-                <a:latin typeface="VNI-Aptima" pitchFamily="2" charset="0"/>
-              </a:rPr>
-              <a:t/>
+              <a:t>Ñôøi toäi naày khaùc </a:t>
             </a:r>
             <a:br>
-              <a:rPr lang="en-US" sz="6600" b="1" smtClean="0">
+              <a:rPr lang="en-US" sz="6600" b="1">
                 <a:solidFill>
                   <a:prstClr val="black"/>
                 </a:solidFill>
@@ -5170,71 +3646,23 @@
               </a:rPr>
             </a:br>
             <a:r>
-              <a:rPr lang="en-US" sz="6600" b="1" smtClean="0">
-                <a:solidFill>
-                  <a:prstClr val="black"/>
-                </a:solidFill>
-                <a:effectLst>
-                  <a:glow rad="101600">
-                    <a:prstClr val="white">
-                      <a:alpha val="60000"/>
-                    </a:prstClr>
-                  </a:glow>
-                </a:effectLst>
-                <a:latin typeface="VNI-Aptima" pitchFamily="2" charset="0"/>
-              </a:rPr>
-              <a:t>chi </a:t>
-            </a:r>
-            <a:r>
-              <a:rPr lang="en-US" sz="6600" b="1">
-                <a:solidFill>
-                  <a:prstClr val="black"/>
-                </a:solidFill>
-                <a:effectLst>
-                  <a:glow rad="101600">
-                    <a:prstClr val="white">
-                      <a:alpha val="60000"/>
-                    </a:prstClr>
-                  </a:glow>
-                </a:effectLst>
-                <a:latin typeface="VNI-Aptima" pitchFamily="2" charset="0"/>
-              </a:rPr>
-              <a:t>ñeâm ñen muø</a:t>
-            </a:r>
-            <a:r>
-              <a:rPr lang="en-US" sz="6600" b="1">
-                <a:solidFill>
-                  <a:prstClr val="black"/>
-                </a:solidFill>
-                <a:effectLst>
-                  <a:glow rad="101600">
-                    <a:prstClr val="white">
-                      <a:alpha val="60000"/>
-                    </a:prstClr>
-                  </a:glow>
-                </a:effectLst>
-                <a:latin typeface="VNI-Aptima" pitchFamily="2" charset="0"/>
-              </a:rPr>
-              <a:t>, </a:t>
-            </a:r>
-            <a:r>
-              <a:rPr lang="en-US" sz="6600" b="1" smtClean="0">
-                <a:solidFill>
-                  <a:prstClr val="black"/>
-                </a:solidFill>
-                <a:effectLst>
-                  <a:glow rad="101600">
-                    <a:prstClr val="white">
-                      <a:alpha val="60000"/>
-                    </a:prstClr>
-                  </a:glow>
-                </a:effectLst>
-                <a:latin typeface="VNI-Aptima" pitchFamily="2" charset="0"/>
-              </a:rPr>
-              <a:t/>
+              <a:rPr lang="en-US" sz="6600" b="1">
+                <a:solidFill>
+                  <a:prstClr val="black"/>
+                </a:solidFill>
+                <a:effectLst>
+                  <a:glow rad="101600">
+                    <a:prstClr val="white">
+                      <a:alpha val="60000"/>
+                    </a:prstClr>
+                  </a:glow>
+                </a:effectLst>
+                <a:latin typeface="VNI-Aptima" pitchFamily="2" charset="0"/>
+              </a:rPr>
+              <a:t>chi ñeâm ñen muø, </a:t>
             </a:r>
             <a:br>
-              <a:rPr lang="en-US" sz="6600" b="1" smtClean="0">
+              <a:rPr lang="en-US" sz="6600" b="1">
                 <a:solidFill>
                   <a:prstClr val="black"/>
                 </a:solidFill>
@@ -5249,36 +3677,20 @@
               </a:rPr>
             </a:br>
             <a:r>
-              <a:rPr lang="en-US" sz="6600" b="1" smtClean="0">
-                <a:solidFill>
-                  <a:prstClr val="black"/>
-                </a:solidFill>
-                <a:effectLst>
-                  <a:glow rad="101600">
-                    <a:prstClr val="white">
-                      <a:alpha val="60000"/>
-                    </a:prstClr>
-                  </a:glow>
-                </a:effectLst>
-                <a:latin typeface="VNI-Aptima" pitchFamily="2" charset="0"/>
-              </a:rPr>
-              <a:t>cuoàng </a:t>
-            </a:r>
-            <a:r>
-              <a:rPr lang="en-US" sz="6600" b="1">
-                <a:solidFill>
-                  <a:prstClr val="black"/>
-                </a:solidFill>
-                <a:effectLst>
-                  <a:glow rad="101600">
-                    <a:prstClr val="white">
-                      <a:alpha val="60000"/>
-                    </a:prstClr>
-                  </a:glow>
-                </a:effectLst>
-                <a:latin typeface="VNI-Aptima" pitchFamily="2" charset="0"/>
-              </a:rPr>
-              <a:t>noä gioáng </a:t>
+              <a:rPr lang="en-US" sz="6600" b="1">
+                <a:solidFill>
+                  <a:prstClr val="black"/>
+                </a:solidFill>
+                <a:effectLst>
+                  <a:glow rad="101600">
+                    <a:prstClr val="white">
+                      <a:alpha val="60000"/>
+                    </a:prstClr>
+                  </a:glow>
+                </a:effectLst>
+                <a:latin typeface="VNI-Aptima" pitchFamily="2" charset="0"/>
+              </a:rPr>
+              <a:t>cuoàng noä gioáng </a:t>
             </a:r>
             <a:br>
               <a:rPr lang="en-US" sz="6600" b="1">
@@ -5372,21 +3784,6 @@
   <p:clrMapOvr>
     <a:masterClrMapping/>
   </p:clrMapOvr>
-  <mc:AlternateContent xmlns:mc="http://schemas.openxmlformats.org/markup-compatibility/2006">
-    <mc:Choice xmlns:p14="http://schemas.microsoft.com/office/powerpoint/2010/main" Requires="p14">
-      <p:transition p14:dur="0"/>
-    </mc:Choice>
-    <mc:Fallback>
-      <p:transition/>
-    </mc:Fallback>
-  </mc:AlternateContent>
-  <p:timing>
-    <p:tnLst>
-      <p:par>
-        <p:cTn id="1" dur="indefinite" restart="never" nodeType="tmRoot"/>
-      </p:par>
-    </p:tnLst>
-  </p:timing>
 </p:sld>
 </file>
 
@@ -5444,42 +3841,10 @@
                 </a:effectLst>
                 <a:latin typeface="VNI-Aptima" pitchFamily="2" charset="0"/>
               </a:rPr>
-              <a:t>Nghìn muoân </a:t>
-            </a:r>
-            <a:r>
-              <a:rPr lang="en-US" sz="6600" b="1">
-                <a:solidFill>
-                  <a:prstClr val="black"/>
-                </a:solidFill>
-                <a:effectLst>
-                  <a:glow rad="101600">
-                    <a:prstClr val="white">
-                      <a:alpha val="60000"/>
-                    </a:prstClr>
-                  </a:glow>
-                </a:effectLst>
-                <a:latin typeface="VNI-Aptima" pitchFamily="2" charset="0"/>
-              </a:rPr>
-              <a:t>ngöôøi </a:t>
-            </a:r>
-            <a:r>
-              <a:rPr lang="en-US" sz="6600" b="1" smtClean="0">
-                <a:solidFill>
-                  <a:prstClr val="black"/>
-                </a:solidFill>
-                <a:effectLst>
-                  <a:glow rad="101600">
-                    <a:prstClr val="white">
-                      <a:alpha val="60000"/>
-                    </a:prstClr>
-                  </a:glow>
-                </a:effectLst>
-                <a:latin typeface="VNI-Aptima" pitchFamily="2" charset="0"/>
-              </a:rPr>
-              <a:t/>
+              <a:t>Nghìn muoân ngöôøi </a:t>
             </a:r>
             <a:br>
-              <a:rPr lang="en-US" sz="6600" b="1" smtClean="0">
+              <a:rPr lang="en-US" sz="6600" b="1">
                 <a:solidFill>
                   <a:prstClr val="black"/>
                 </a:solidFill>
@@ -5494,71 +3859,23 @@
               </a:rPr>
             </a:br>
             <a:r>
-              <a:rPr lang="en-US" sz="6600" b="1" smtClean="0">
-                <a:solidFill>
-                  <a:prstClr val="black"/>
-                </a:solidFill>
-                <a:effectLst>
-                  <a:glow rad="101600">
-                    <a:prstClr val="white">
-                      <a:alpha val="60000"/>
-                    </a:prstClr>
-                  </a:glow>
-                </a:effectLst>
-                <a:latin typeface="VNI-Aptima" pitchFamily="2" charset="0"/>
-              </a:rPr>
-              <a:t>leânh </a:t>
-            </a:r>
-            <a:r>
-              <a:rPr lang="en-US" sz="6600" b="1">
-                <a:solidFill>
-                  <a:prstClr val="black"/>
-                </a:solidFill>
-                <a:effectLst>
-                  <a:glow rad="101600">
-                    <a:prstClr val="white">
-                      <a:alpha val="60000"/>
-                    </a:prstClr>
-                  </a:glow>
-                </a:effectLst>
-                <a:latin typeface="VNI-Aptima" pitchFamily="2" charset="0"/>
-              </a:rPr>
-              <a:t>ñeânh treân </a:t>
-            </a:r>
-            <a:r>
-              <a:rPr lang="en-US" sz="6600" b="1">
-                <a:solidFill>
-                  <a:prstClr val="black"/>
-                </a:solidFill>
-                <a:effectLst>
-                  <a:glow rad="101600">
-                    <a:prstClr val="white">
-                      <a:alpha val="60000"/>
-                    </a:prstClr>
-                  </a:glow>
-                </a:effectLst>
-                <a:latin typeface="VNI-Aptima" pitchFamily="2" charset="0"/>
-              </a:rPr>
-              <a:t>bieån </a:t>
-            </a:r>
-            <a:r>
-              <a:rPr lang="en-US" sz="6600" b="1" smtClean="0">
-                <a:solidFill>
-                  <a:prstClr val="black"/>
-                </a:solidFill>
-                <a:effectLst>
-                  <a:glow rad="101600">
-                    <a:prstClr val="white">
-                      <a:alpha val="60000"/>
-                    </a:prstClr>
-                  </a:glow>
-                </a:effectLst>
-                <a:latin typeface="VNI-Aptima" pitchFamily="2" charset="0"/>
-              </a:rPr>
-              <a:t/>
+              <a:rPr lang="en-US" sz="6600" b="1">
+                <a:solidFill>
+                  <a:prstClr val="black"/>
+                </a:solidFill>
+                <a:effectLst>
+                  <a:glow rad="101600">
+                    <a:prstClr val="white">
+                      <a:alpha val="60000"/>
+                    </a:prstClr>
+                  </a:glow>
+                </a:effectLst>
+                <a:latin typeface="VNI-Aptima" pitchFamily="2" charset="0"/>
+              </a:rPr>
+              <a:t>leânh ñeânh treân bieån </a:t>
             </a:r>
             <a:br>
-              <a:rPr lang="en-US" sz="6600" b="1" smtClean="0">
+              <a:rPr lang="en-US" sz="6600" b="1">
                 <a:solidFill>
                   <a:prstClr val="black"/>
                 </a:solidFill>
@@ -5573,68 +3890,20 @@
               </a:rPr>
             </a:br>
             <a:r>
-              <a:rPr lang="en-US" sz="6600" b="1" smtClean="0">
-                <a:solidFill>
-                  <a:prstClr val="black"/>
-                </a:solidFill>
-                <a:effectLst>
-                  <a:glow rad="101600">
-                    <a:prstClr val="white">
-                      <a:alpha val="60000"/>
-                    </a:prstClr>
-                  </a:glow>
-                </a:effectLst>
-                <a:latin typeface="VNI-Aptima" pitchFamily="2" charset="0"/>
-              </a:rPr>
-              <a:t>kìa</a:t>
-            </a:r>
-            <a:r>
-              <a:rPr lang="en-US" sz="6600" b="1">
-                <a:solidFill>
-                  <a:prstClr val="black"/>
-                </a:solidFill>
-                <a:effectLst>
-                  <a:glow rad="101600">
-                    <a:prstClr val="white">
-                      <a:alpha val="60000"/>
-                    </a:prstClr>
-                  </a:glow>
-                </a:effectLst>
-                <a:latin typeface="VNI-Aptima" pitchFamily="2" charset="0"/>
-              </a:rPr>
-              <a:t>, </a:t>
-            </a:r>
-            <a:r>
-              <a:rPr lang="en-US" sz="6600" b="1" smtClean="0">
-                <a:solidFill>
-                  <a:prstClr val="black"/>
-                </a:solidFill>
-                <a:effectLst>
-                  <a:glow rad="101600">
-                    <a:prstClr val="white">
-                      <a:alpha val="60000"/>
-                    </a:prstClr>
-                  </a:glow>
-                </a:effectLst>
-                <a:latin typeface="VNI-Aptima" pitchFamily="2" charset="0"/>
-              </a:rPr>
-              <a:t>moøn </a:t>
-            </a:r>
-            <a:r>
-              <a:rPr lang="en-US" sz="6600" b="1">
-                <a:solidFill>
-                  <a:prstClr val="black"/>
-                </a:solidFill>
-                <a:effectLst>
-                  <a:glow rad="101600">
-                    <a:prstClr val="white">
-                      <a:alpha val="60000"/>
-                    </a:prstClr>
-                  </a:glow>
-                </a:effectLst>
-                <a:latin typeface="VNI-Aptima" pitchFamily="2" charset="0"/>
-              </a:rPr>
-              <a:t>ñoâi maét </a:t>
+              <a:rPr lang="en-US" sz="6600" b="1">
+                <a:solidFill>
+                  <a:prstClr val="black"/>
+                </a:solidFill>
+                <a:effectLst>
+                  <a:glow rad="101600">
+                    <a:prstClr val="white">
+                      <a:alpha val="60000"/>
+                    </a:prstClr>
+                  </a:glow>
+                </a:effectLst>
+                <a:latin typeface="VNI-Aptima" pitchFamily="2" charset="0"/>
+              </a:rPr>
+              <a:t>kìa, moøn ñoâi maét </a:t>
             </a:r>
             <a:br>
               <a:rPr lang="en-US" sz="6600" b="1">
@@ -5665,85 +3934,8 @@
                 </a:effectLst>
                 <a:latin typeface="VNI-Aptima" pitchFamily="2" charset="0"/>
               </a:rPr>
-              <a:t>troâng </a:t>
-            </a:r>
-            <a:r>
-              <a:rPr lang="en-US" sz="6600" b="1">
-                <a:solidFill>
-                  <a:prstClr val="black"/>
-                </a:solidFill>
-                <a:effectLst>
-                  <a:glow rad="101600">
-                    <a:prstClr val="white">
-                      <a:alpha val="60000"/>
-                    </a:prstClr>
-                  </a:glow>
-                </a:effectLst>
-                <a:latin typeface="VNI-Aptima" pitchFamily="2" charset="0"/>
-              </a:rPr>
-              <a:t>thaùp </a:t>
-            </a:r>
-            <a:r>
-              <a:rPr lang="en-US" sz="6600" b="1" smtClean="0">
-                <a:solidFill>
-                  <a:prstClr val="black"/>
-                </a:solidFill>
-                <a:effectLst>
-                  <a:glow rad="101600">
-                    <a:prstClr val="white">
-                      <a:alpha val="60000"/>
-                    </a:prstClr>
-                  </a:glow>
-                </a:effectLst>
-                <a:latin typeface="VNI-Aptima" pitchFamily="2" charset="0"/>
-              </a:rPr>
-              <a:t>ñeøn </a:t>
-            </a:r>
-            <a:r>
-              <a:rPr lang="en-US" sz="6600" b="1">
-                <a:solidFill>
-                  <a:prstClr val="black"/>
-                </a:solidFill>
-                <a:effectLst>
-                  <a:glow rad="101600">
-                    <a:prstClr val="white">
-                      <a:alpha val="60000"/>
-                    </a:prstClr>
-                  </a:glow>
-                </a:effectLst>
-                <a:latin typeface="VNI-Aptima" pitchFamily="2" charset="0"/>
-              </a:rPr>
-              <a:t>kia</a:t>
-            </a:r>
-            <a:r>
-              <a:rPr lang="en-US" sz="6600" b="1" smtClean="0">
-                <a:solidFill>
-                  <a:prstClr val="black"/>
-                </a:solidFill>
-                <a:effectLst>
-                  <a:glow rad="101600">
-                    <a:prstClr val="white">
-                      <a:alpha val="60000"/>
-                    </a:prstClr>
-                  </a:glow>
-                </a:effectLst>
-                <a:latin typeface="VNI-Aptima" pitchFamily="2" charset="0"/>
-              </a:rPr>
-              <a:t>. </a:t>
-            </a:r>
-            <a:endParaRPr lang="en-US" sz="6600" b="1">
-              <a:solidFill>
-                <a:prstClr val="black"/>
-              </a:solidFill>
-              <a:effectLst>
-                <a:glow rad="101600">
-                  <a:prstClr val="white">
-                    <a:alpha val="60000"/>
-                  </a:prstClr>
-                </a:glow>
-              </a:effectLst>
-              <a:latin typeface="VNI-Aptima" pitchFamily="2" charset="0"/>
-            </a:endParaRPr>
+              <a:t>troâng thaùp ñeøn kia. </a:t>
+            </a:r>
           </a:p>
         </p:txBody>
       </p:sp>
@@ -5805,13 +3997,6 @@
   <p:clrMapOvr>
     <a:masterClrMapping/>
   </p:clrMapOvr>
-  <p:timing>
-    <p:tnLst>
-      <p:par>
-        <p:cTn id="1" dur="indefinite" restart="never" nodeType="tmRoot"/>
-      </p:par>
-    </p:tnLst>
-  </p:timing>
 </p:sld>
 </file>
 
@@ -5885,138 +4070,10 @@
                 </a:effectLst>
                 <a:latin typeface="VNI-Aptima" pitchFamily="2" charset="0"/>
               </a:rPr>
-              <a:t> Moïi ñôøi </a:t>
-            </a:r>
-            <a:r>
-              <a:rPr lang="en-US" sz="6600" b="1">
-                <a:solidFill>
-                  <a:prstClr val="black"/>
-                </a:solidFill>
-                <a:effectLst>
-                  <a:glow rad="101600">
-                    <a:prstClr val="white">
-                      <a:alpha val="60000"/>
-                    </a:prstClr>
-                  </a:glow>
-                </a:effectLst>
-                <a:latin typeface="VNI-Aptima" pitchFamily="2" charset="0"/>
-              </a:rPr>
-              <a:t>soáng </a:t>
-            </a:r>
-            <a:r>
-              <a:rPr lang="en-US" sz="6600" b="1" smtClean="0">
-                <a:solidFill>
-                  <a:prstClr val="black"/>
-                </a:solidFill>
-                <a:effectLst>
-                  <a:glow rad="101600">
-                    <a:prstClr val="white">
-                      <a:alpha val="60000"/>
-                    </a:prstClr>
-                  </a:glow>
-                </a:effectLst>
-                <a:latin typeface="VNI-Aptima" pitchFamily="2" charset="0"/>
-              </a:rPr>
-              <a:t>haõy </a:t>
-            </a:r>
-            <a:r>
-              <a:rPr lang="en-US" sz="6600" b="1">
-                <a:solidFill>
-                  <a:prstClr val="black"/>
-                </a:solidFill>
-                <a:effectLst>
-                  <a:glow rad="101600">
-                    <a:prstClr val="white">
-                      <a:alpha val="60000"/>
-                    </a:prstClr>
-                  </a:glow>
-                </a:effectLst>
-                <a:latin typeface="VNI-Aptima" pitchFamily="2" charset="0"/>
-              </a:rPr>
-              <a:t>chieáu </a:t>
-            </a:r>
-            <a:r>
-              <a:rPr lang="en-US" sz="6600" b="1">
-                <a:solidFill>
-                  <a:prstClr val="black"/>
-                </a:solidFill>
-                <a:effectLst>
-                  <a:glow rad="101600">
-                    <a:prstClr val="white">
-                      <a:alpha val="60000"/>
-                    </a:prstClr>
-                  </a:glow>
-                </a:effectLst>
-                <a:latin typeface="VNI-Aptima" pitchFamily="2" charset="0"/>
-              </a:rPr>
-              <a:t>gioáng </a:t>
-            </a:r>
-            <a:r>
-              <a:rPr lang="en-US" sz="6600" b="1" smtClean="0">
-                <a:solidFill>
-                  <a:prstClr val="black"/>
-                </a:solidFill>
-                <a:effectLst>
-                  <a:glow rad="101600">
-                    <a:prstClr val="white">
-                      <a:alpha val="60000"/>
-                    </a:prstClr>
-                  </a:glow>
-                </a:effectLst>
-                <a:latin typeface="VNI-Aptima" pitchFamily="2" charset="0"/>
-              </a:rPr>
-              <a:t>haûi </a:t>
-            </a:r>
-            <a:r>
-              <a:rPr lang="en-US" sz="6600" b="1">
-                <a:solidFill>
-                  <a:prstClr val="black"/>
-                </a:solidFill>
-                <a:effectLst>
-                  <a:glow rad="101600">
-                    <a:prstClr val="white">
-                      <a:alpha val="60000"/>
-                    </a:prstClr>
-                  </a:glow>
-                </a:effectLst>
-                <a:latin typeface="VNI-Aptima" pitchFamily="2" charset="0"/>
-              </a:rPr>
-              <a:t>ñaêng, chieáu saùng </a:t>
-            </a:r>
-            <a:r>
-              <a:rPr lang="en-US" sz="6600" b="1">
-                <a:solidFill>
-                  <a:prstClr val="black"/>
-                </a:solidFill>
-                <a:effectLst>
-                  <a:glow rad="101600">
-                    <a:prstClr val="white">
-                      <a:alpha val="60000"/>
-                    </a:prstClr>
-                  </a:glow>
-                </a:effectLst>
-                <a:latin typeface="VNI-Aptima" pitchFamily="2" charset="0"/>
-              </a:rPr>
-              <a:t>giöõa </a:t>
-            </a:r>
-            <a:r>
-              <a:rPr lang="en-US" sz="6600" b="1" smtClean="0">
-                <a:solidFill>
-                  <a:prstClr val="black"/>
-                </a:solidFill>
-                <a:effectLst>
-                  <a:glow rad="101600">
-                    <a:prstClr val="white">
-                      <a:alpha val="60000"/>
-                    </a:prstClr>
-                  </a:glow>
-                </a:effectLst>
-                <a:latin typeface="VNI-Aptima" pitchFamily="2" charset="0"/>
-              </a:rPr>
-              <a:t/>
+              <a:t> Moïi ñôøi soáng haõy chieáu gioáng haûi ñaêng, chieáu saùng giöõa </a:t>
             </a:r>
             <a:br>
-              <a:rPr lang="en-US" sz="6600" b="1" smtClean="0">
+              <a:rPr lang="en-US" sz="6600" b="1">
                 <a:solidFill>
                   <a:prstClr val="black"/>
                 </a:solidFill>
@@ -6031,36 +4088,20 @@
               </a:rPr>
             </a:br>
             <a:r>
-              <a:rPr lang="en-US" sz="6600" b="1" smtClean="0">
-                <a:solidFill>
-                  <a:prstClr val="black"/>
-                </a:solidFill>
-                <a:effectLst>
-                  <a:glow rad="101600">
-                    <a:prstClr val="white">
-                      <a:alpha val="60000"/>
-                    </a:prstClr>
-                  </a:glow>
-                </a:effectLst>
-                <a:latin typeface="VNI-Aptima" pitchFamily="2" charset="0"/>
-              </a:rPr>
-              <a:t>ba </a:t>
-            </a:r>
-            <a:r>
-              <a:rPr lang="en-US" sz="6600" b="1">
-                <a:solidFill>
-                  <a:prstClr val="black"/>
-                </a:solidFill>
-                <a:effectLst>
-                  <a:glow rad="101600">
-                    <a:prstClr val="white">
-                      <a:alpha val="60000"/>
-                    </a:prstClr>
-                  </a:glow>
-                </a:effectLst>
-                <a:latin typeface="VNI-Aptima" pitchFamily="2" charset="0"/>
-              </a:rPr>
-              <a:t>ñaøo hung haêng.</a:t>
+              <a:rPr lang="en-US" sz="6600" b="1">
+                <a:solidFill>
+                  <a:prstClr val="black"/>
+                </a:solidFill>
+                <a:effectLst>
+                  <a:glow rad="101600">
+                    <a:prstClr val="white">
+                      <a:alpha val="60000"/>
+                    </a:prstClr>
+                  </a:glow>
+                </a:effectLst>
+                <a:latin typeface="VNI-Aptima" pitchFamily="2" charset="0"/>
+              </a:rPr>
+              <a:t>ba ñaøo hung haêng.</a:t>
             </a:r>
           </a:p>
         </p:txBody>
@@ -6123,13 +4164,6 @@
   <p:clrMapOvr>
     <a:masterClrMapping/>
   </p:clrMapOvr>
-  <p:timing>
-    <p:tnLst>
-      <p:par>
-        <p:cTn id="1" dur="indefinite" restart="never" nodeType="tmRoot"/>
-      </p:par>
-    </p:tnLst>
-  </p:timing>
 </p:sld>
 </file>
 
@@ -6187,42 +4221,10 @@
                 </a:effectLst>
                 <a:latin typeface="VNI-Aptima" pitchFamily="2" charset="0"/>
               </a:rPr>
-              <a:t>Haàu roïi ñöôøng </a:t>
-            </a:r>
-            <a:r>
-              <a:rPr lang="en-US" sz="6600" b="1">
-                <a:solidFill>
-                  <a:prstClr val="black"/>
-                </a:solidFill>
-                <a:effectLst>
-                  <a:glow rad="101600">
-                    <a:prstClr val="white">
-                      <a:alpha val="60000"/>
-                    </a:prstClr>
-                  </a:glow>
-                </a:effectLst>
-                <a:latin typeface="VNI-Aptima" pitchFamily="2" charset="0"/>
-              </a:rPr>
-              <a:t>cho </a:t>
-            </a:r>
-            <a:r>
-              <a:rPr lang="en-US" sz="6600" b="1" smtClean="0">
-                <a:solidFill>
-                  <a:prstClr val="black"/>
-                </a:solidFill>
-                <a:effectLst>
-                  <a:glow rad="101600">
-                    <a:prstClr val="white">
-                      <a:alpha val="60000"/>
-                    </a:prstClr>
-                  </a:glow>
-                </a:effectLst>
-                <a:latin typeface="VNI-Aptima" pitchFamily="2" charset="0"/>
-              </a:rPr>
-              <a:t/>
+              <a:t>Haàu roïi ñöôøng cho </a:t>
             </a:r>
             <a:br>
-              <a:rPr lang="en-US" sz="6600" b="1" smtClean="0">
+              <a:rPr lang="en-US" sz="6600" b="1">
                 <a:solidFill>
                   <a:prstClr val="black"/>
                 </a:solidFill>
@@ -6237,71 +4239,23 @@
               </a:rPr>
             </a:br>
             <a:r>
-              <a:rPr lang="en-US" sz="6600" b="1" smtClean="0">
-                <a:solidFill>
-                  <a:prstClr val="black"/>
-                </a:solidFill>
-                <a:effectLst>
-                  <a:glow rad="101600">
-                    <a:prstClr val="white">
-                      <a:alpha val="60000"/>
-                    </a:prstClr>
-                  </a:glow>
-                </a:effectLst>
-                <a:latin typeface="VNI-Aptima" pitchFamily="2" charset="0"/>
-              </a:rPr>
-              <a:t>bao </a:t>
-            </a:r>
-            <a:r>
-              <a:rPr lang="en-US" sz="6600" b="1">
-                <a:solidFill>
-                  <a:prstClr val="black"/>
-                </a:solidFill>
-                <a:effectLst>
-                  <a:glow rad="101600">
-                    <a:prstClr val="white">
-                      <a:alpha val="60000"/>
-                    </a:prstClr>
-                  </a:glow>
-                </a:effectLst>
-                <a:latin typeface="VNI-Aptima" pitchFamily="2" charset="0"/>
-              </a:rPr>
-              <a:t>thuûy thuû kìa</a:t>
-            </a:r>
-            <a:r>
-              <a:rPr lang="en-US" sz="6600" b="1">
-                <a:solidFill>
-                  <a:prstClr val="black"/>
-                </a:solidFill>
-                <a:effectLst>
-                  <a:glow rad="101600">
-                    <a:prstClr val="white">
-                      <a:alpha val="60000"/>
-                    </a:prstClr>
-                  </a:glow>
-                </a:effectLst>
-                <a:latin typeface="VNI-Aptima" pitchFamily="2" charset="0"/>
-              </a:rPr>
-              <a:t>, </a:t>
-            </a:r>
-            <a:r>
-              <a:rPr lang="en-US" sz="6600" b="1" smtClean="0">
-                <a:solidFill>
-                  <a:prstClr val="black"/>
-                </a:solidFill>
-                <a:effectLst>
-                  <a:glow rad="101600">
-                    <a:prstClr val="white">
-                      <a:alpha val="60000"/>
-                    </a:prstClr>
-                  </a:glow>
-                </a:effectLst>
-                <a:latin typeface="VNI-Aptima" pitchFamily="2" charset="0"/>
-              </a:rPr>
-              <a:t/>
+              <a:rPr lang="en-US" sz="6600" b="1">
+                <a:solidFill>
+                  <a:prstClr val="black"/>
+                </a:solidFill>
+                <a:effectLst>
+                  <a:glow rad="101600">
+                    <a:prstClr val="white">
+                      <a:alpha val="60000"/>
+                    </a:prstClr>
+                  </a:glow>
+                </a:effectLst>
+                <a:latin typeface="VNI-Aptima" pitchFamily="2" charset="0"/>
+              </a:rPr>
+              <a:t>bao thuûy thuû kìa, </a:t>
             </a:r>
             <a:br>
-              <a:rPr lang="en-US" sz="6600" b="1" smtClean="0">
+              <a:rPr lang="en-US" sz="6600" b="1">
                 <a:solidFill>
                   <a:prstClr val="black"/>
                 </a:solidFill>
@@ -6316,71 +4270,23 @@
               </a:rPr>
             </a:br>
             <a:r>
-              <a:rPr lang="en-US" sz="6600" b="1" smtClean="0">
-                <a:solidFill>
-                  <a:prstClr val="black"/>
-                </a:solidFill>
-                <a:effectLst>
-                  <a:glow rad="101600">
-                    <a:prstClr val="white">
-                      <a:alpha val="60000"/>
-                    </a:prstClr>
-                  </a:glow>
-                </a:effectLst>
-                <a:latin typeface="VNI-Aptima" pitchFamily="2" charset="0"/>
-              </a:rPr>
-              <a:t>vöôït </a:t>
-            </a:r>
-            <a:r>
-              <a:rPr lang="en-US" sz="6600" b="1">
-                <a:solidFill>
-                  <a:prstClr val="black"/>
-                </a:solidFill>
-                <a:effectLst>
-                  <a:glow rad="101600">
-                    <a:prstClr val="white">
-                      <a:alpha val="60000"/>
-                    </a:prstClr>
-                  </a:glow>
-                </a:effectLst>
-                <a:latin typeface="VNI-Aptima" pitchFamily="2" charset="0"/>
-              </a:rPr>
-              <a:t>bao hieåm </a:t>
-            </a:r>
-            <a:r>
-              <a:rPr lang="en-US" sz="6600" b="1">
-                <a:solidFill>
-                  <a:prstClr val="black"/>
-                </a:solidFill>
-                <a:effectLst>
-                  <a:glow rad="101600">
-                    <a:prstClr val="white">
-                      <a:alpha val="60000"/>
-                    </a:prstClr>
-                  </a:glow>
-                </a:effectLst>
-                <a:latin typeface="VNI-Aptima" pitchFamily="2" charset="0"/>
-              </a:rPr>
-              <a:t>nguy </a:t>
-            </a:r>
-            <a:r>
-              <a:rPr lang="en-US" sz="6600" b="1" smtClean="0">
-                <a:solidFill>
-                  <a:prstClr val="black"/>
-                </a:solidFill>
-                <a:effectLst>
-                  <a:glow rad="101600">
-                    <a:prstClr val="white">
-                      <a:alpha val="60000"/>
-                    </a:prstClr>
-                  </a:glow>
-                </a:effectLst>
-                <a:latin typeface="VNI-Aptima" pitchFamily="2" charset="0"/>
-              </a:rPr>
-              <a:t/>
+              <a:rPr lang="en-US" sz="6600" b="1">
+                <a:solidFill>
+                  <a:prstClr val="black"/>
+                </a:solidFill>
+                <a:effectLst>
+                  <a:glow rad="101600">
+                    <a:prstClr val="white">
+                      <a:alpha val="60000"/>
+                    </a:prstClr>
+                  </a:glow>
+                </a:effectLst>
+                <a:latin typeface="VNI-Aptima" pitchFamily="2" charset="0"/>
+              </a:rPr>
+              <a:t>vöôït bao hieåm nguy </a:t>
             </a:r>
             <a:br>
-              <a:rPr lang="en-US" sz="6600" b="1" smtClean="0">
+              <a:rPr lang="en-US" sz="6600" b="1">
                 <a:solidFill>
                   <a:prstClr val="black"/>
                 </a:solidFill>
@@ -6395,36 +4301,20 @@
               </a:rPr>
             </a:br>
             <a:r>
-              <a:rPr lang="en-US" sz="6600" b="1" smtClean="0">
-                <a:solidFill>
-                  <a:prstClr val="black"/>
-                </a:solidFill>
-                <a:effectLst>
-                  <a:glow rad="101600">
-                    <a:prstClr val="white">
-                      <a:alpha val="60000"/>
-                    </a:prstClr>
-                  </a:glow>
-                </a:effectLst>
-                <a:latin typeface="VNI-Aptima" pitchFamily="2" charset="0"/>
-              </a:rPr>
-              <a:t>luùc </a:t>
-            </a:r>
-            <a:r>
-              <a:rPr lang="en-US" sz="6600" b="1">
-                <a:solidFill>
-                  <a:prstClr val="black"/>
-                </a:solidFill>
-                <a:effectLst>
-                  <a:glow rad="101600">
-                    <a:prstClr val="white">
-                      <a:alpha val="60000"/>
-                    </a:prstClr>
-                  </a:glow>
-                </a:effectLst>
-                <a:latin typeface="VNI-Aptima" pitchFamily="2" charset="0"/>
-              </a:rPr>
-              <a:t>trôøi khuya.</a:t>
+              <a:rPr lang="en-US" sz="6600" b="1">
+                <a:solidFill>
+                  <a:prstClr val="black"/>
+                </a:solidFill>
+                <a:effectLst>
+                  <a:glow rad="101600">
+                    <a:prstClr val="white">
+                      <a:alpha val="60000"/>
+                    </a:prstClr>
+                  </a:glow>
+                </a:effectLst>
+                <a:latin typeface="VNI-Aptima" pitchFamily="2" charset="0"/>
+              </a:rPr>
+              <a:t>luùc trôøi khuya.</a:t>
             </a:r>
           </a:p>
         </p:txBody>
@@ -6487,13 +4377,6 @@
   <p:clrMapOvr>
     <a:masterClrMapping/>
   </p:clrMapOvr>
-  <p:timing>
-    <p:tnLst>
-      <p:par>
-        <p:cTn id="1" dur="indefinite" restart="never" nodeType="tmRoot"/>
-      </p:par>
-    </p:tnLst>
-  </p:timing>
 </p:sld>
 </file>
 
